--- a/Syllabus/Lecture18/Lec18.pptx
+++ b/Syllabus/Lecture18/Lec18.pptx
@@ -40,11 +40,11 @@
     <p:sldId id="1431" r:id="rId28"/>
     <p:sldId id="1432" r:id="rId29"/>
     <p:sldId id="1433" r:id="rId30"/>
-    <p:sldId id="1436" r:id="rId31"/>
-    <p:sldId id="1437" r:id="rId32"/>
-    <p:sldId id="1438" r:id="rId33"/>
-    <p:sldId id="1439" r:id="rId34"/>
-    <p:sldId id="1440" r:id="rId35"/>
+    <p:sldId id="1439" r:id="rId31"/>
+    <p:sldId id="1440" r:id="rId32"/>
+    <p:sldId id="1436" r:id="rId33"/>
+    <p:sldId id="1463" r:id="rId34"/>
+    <p:sldId id="1464" r:id="rId35"/>
     <p:sldId id="1441" r:id="rId36"/>
     <p:sldId id="1442" r:id="rId37"/>
     <p:sldId id="410" r:id="rId38"/>
@@ -180,11 +180,11 @@
             <p14:sldId id="1431"/>
             <p14:sldId id="1432"/>
             <p14:sldId id="1433"/>
-            <p14:sldId id="1436"/>
-            <p14:sldId id="1437"/>
-            <p14:sldId id="1438"/>
             <p14:sldId id="1439"/>
             <p14:sldId id="1440"/>
+            <p14:sldId id="1436"/>
+            <p14:sldId id="1463"/>
+            <p14:sldId id="1464"/>
             <p14:sldId id="1441"/>
             <p14:sldId id="1442"/>
             <p14:sldId id="410"/>
@@ -307,7 +307,7 @@
           <a:p>
             <a:fld id="{DF9C6931-D0F6-AB40-9D7F-95567148A5C2}" type="datetimeFigureOut">
               <a:rPr lang="en-US" smtClean="0"/>
-              <a:t>10/25/21</a:t>
+              <a:t>10/26/21</a:t>
             </a:fld>
             <a:endParaRPr lang="en-US"/>
           </a:p>
@@ -484,7 +484,7 @@
           <a:p>
             <a:fld id="{736C18F2-6801-5147-A332-A6E1C7D69D18}" type="datetimeFigureOut">
               <a:rPr lang="en-US" smtClean="0"/>
-              <a:t>10/25/21</a:t>
+              <a:t>10/26/21</a:t>
             </a:fld>
             <a:endParaRPr lang="en-US"/>
           </a:p>
@@ -2823,7 +2823,7 @@
     </p:spTree>
     <p:extLst>
       <p:ext uri="{BB962C8B-B14F-4D97-AF65-F5344CB8AC3E}">
-        <p14:creationId xmlns:p14="http://schemas.microsoft.com/office/powerpoint/2010/main" val="454413880"/>
+        <p14:creationId xmlns:p14="http://schemas.microsoft.com/office/powerpoint/2010/main" val="787795073"/>
       </p:ext>
     </p:extLst>
   </p:cSld>
@@ -2932,7 +2932,7 @@
     </p:spTree>
     <p:extLst>
       <p:ext uri="{BB962C8B-B14F-4D97-AF65-F5344CB8AC3E}">
-        <p14:creationId xmlns:p14="http://schemas.microsoft.com/office/powerpoint/2010/main" val="3408300362"/>
+        <p14:creationId xmlns:p14="http://schemas.microsoft.com/office/powerpoint/2010/main" val="1525356251"/>
       </p:ext>
     </p:extLst>
   </p:cSld>
@@ -3041,7 +3041,7 @@
     </p:spTree>
     <p:extLst>
       <p:ext uri="{BB962C8B-B14F-4D97-AF65-F5344CB8AC3E}">
-        <p14:creationId xmlns:p14="http://schemas.microsoft.com/office/powerpoint/2010/main" val="2905721246"/>
+        <p14:creationId xmlns:p14="http://schemas.microsoft.com/office/powerpoint/2010/main" val="454413880"/>
       </p:ext>
     </p:extLst>
   </p:cSld>
@@ -3150,7 +3150,7 @@
     </p:spTree>
     <p:extLst>
       <p:ext uri="{BB962C8B-B14F-4D97-AF65-F5344CB8AC3E}">
-        <p14:creationId xmlns:p14="http://schemas.microsoft.com/office/powerpoint/2010/main" val="787795073"/>
+        <p14:creationId xmlns:p14="http://schemas.microsoft.com/office/powerpoint/2010/main" val="2056755724"/>
       </p:ext>
     </p:extLst>
   </p:cSld>
@@ -3368,7 +3368,7 @@
     </p:spTree>
     <p:extLst>
       <p:ext uri="{BB962C8B-B14F-4D97-AF65-F5344CB8AC3E}">
-        <p14:creationId xmlns:p14="http://schemas.microsoft.com/office/powerpoint/2010/main" val="1525356251"/>
+        <p14:creationId xmlns:p14="http://schemas.microsoft.com/office/powerpoint/2010/main" val="2504342702"/>
       </p:ext>
     </p:extLst>
   </p:cSld>
@@ -9161,8 +9161,8 @@
         </p:blipFill>
         <p:spPr bwMode="auto">
           <a:xfrm>
-            <a:off x="1139877" y="1731737"/>
-            <a:ext cx="4956123" cy="2159915"/>
+            <a:off x="737937" y="1513219"/>
+            <a:ext cx="6045953" cy="2634871"/>
           </a:xfrm>
           <a:prstGeom prst="rect">
             <a:avLst/>
@@ -9193,8 +9193,8 @@
         </p:nvSpPr>
         <p:spPr>
           <a:xfrm>
-            <a:off x="3331548" y="3462740"/>
-            <a:ext cx="831379" cy="437004"/>
+            <a:off x="3416969" y="3565824"/>
+            <a:ext cx="1106905" cy="683235"/>
           </a:xfrm>
           <a:prstGeom prst="ellipse">
             <a:avLst/>
@@ -9226,7 +9226,7 @@
           <a:p>
             <a:pPr algn="ctr"/>
             <a:r>
-              <a:rPr lang="en-US" sz="600" b="1" dirty="0"/>
+              <a:rPr lang="en-US" sz="900" b="1" dirty="0"/>
               <a:t>Feature Extraction</a:t>
             </a:r>
           </a:p>
@@ -9578,7 +9578,7 @@
           <a:graphicData uri="http://schemas.openxmlformats.org/presentationml/2006/ole">
             <mc:AlternateContent xmlns:mc="http://schemas.openxmlformats.org/markup-compatibility/2006">
               <mc:Choice xmlns:v="urn:schemas-microsoft-com:vml" Requires="v">
-                <p:oleObj spid="_x0000_s44480" name="Equation" r:id="rId4" imgW="14630400" imgH="42710100" progId="Equation.DSMT4">
+                <p:oleObj spid="_x0000_s44552" name="Equation" r:id="rId4" imgW="14630400" imgH="42710100" progId="Equation.DSMT4">
                   <p:embed/>
                 </p:oleObj>
               </mc:Choice>
@@ -9660,7 +9660,7 @@
           <a:graphicData uri="http://schemas.openxmlformats.org/presentationml/2006/ole">
             <mc:AlternateContent xmlns:mc="http://schemas.openxmlformats.org/markup-compatibility/2006">
               <mc:Choice xmlns:v="urn:schemas-microsoft-com:vml" Requires="v">
-                <p:oleObj spid="_x0000_s44481" name="Equation" r:id="rId6" imgW="22529800" imgH="10528300" progId="Equation.DSMT4">
+                <p:oleObj spid="_x0000_s44553" name="Equation" r:id="rId6" imgW="22529800" imgH="10528300" progId="Equation.DSMT4">
                   <p:embed/>
                 </p:oleObj>
               </mc:Choice>
@@ -9742,7 +9742,7 @@
           <a:graphicData uri="http://schemas.openxmlformats.org/presentationml/2006/ole">
             <mc:AlternateContent xmlns:mc="http://schemas.openxmlformats.org/markup-compatibility/2006">
               <mc:Choice xmlns:v="urn:schemas-microsoft-com:vml" Requires="v">
-                <p:oleObj spid="_x0000_s44482" name="Equation" r:id="rId8" imgW="48272700" imgH="9944100" progId="Equation.DSMT4">
+                <p:oleObj spid="_x0000_s44554" name="Equation" r:id="rId8" imgW="48272700" imgH="9944100" progId="Equation.DSMT4">
                   <p:embed/>
                 </p:oleObj>
               </mc:Choice>
@@ -10695,7 +10695,7 @@
                   <a:srgbClr val="E46102"/>
                 </a:solidFill>
               </a:rPr>
-              <a:t>Vector Representation contd..</a:t>
+              <a:t>Vector Representation (example)..</a:t>
             </a:r>
             <a:endParaRPr sz="4000" b="1" dirty="0">
               <a:solidFill>
@@ -10933,7 +10933,7 @@
           <a:graphicData uri="http://schemas.openxmlformats.org/presentationml/2006/ole">
             <mc:AlternateContent xmlns:mc="http://schemas.openxmlformats.org/markup-compatibility/2006">
               <mc:Choice xmlns:v="urn:schemas-microsoft-com:vml" Requires="v">
-                <p:oleObj spid="_x0000_s45648" name="Equation" r:id="rId4" imgW="22237700" imgH="11112500" progId="Equation.DSMT4">
+                <p:oleObj spid="_x0000_s45744" name="Equation" r:id="rId4" imgW="22237700" imgH="11112500" progId="Equation.DSMT4">
                   <p:embed/>
                 </p:oleObj>
               </mc:Choice>
@@ -11034,7 +11034,7 @@
           <a:graphicData uri="http://schemas.openxmlformats.org/presentationml/2006/ole">
             <mc:AlternateContent xmlns:mc="http://schemas.openxmlformats.org/markup-compatibility/2006">
               <mc:Choice xmlns:v="urn:schemas-microsoft-com:vml" Requires="v">
-                <p:oleObj spid="_x0000_s45649" name="Equation" r:id="rId6" imgW="34226500" imgH="10528300" progId="Equation.DSMT4">
+                <p:oleObj spid="_x0000_s45745" name="Equation" r:id="rId6" imgW="34226500" imgH="10528300" progId="Equation.DSMT4">
                   <p:embed/>
                 </p:oleObj>
               </mc:Choice>
@@ -11116,7 +11116,7 @@
           <a:graphicData uri="http://schemas.openxmlformats.org/presentationml/2006/ole">
             <mc:AlternateContent xmlns:mc="http://schemas.openxmlformats.org/markup-compatibility/2006">
               <mc:Choice xmlns:v="urn:schemas-microsoft-com:vml" Requires="v">
-                <p:oleObj spid="_x0000_s45650" name="Equation" r:id="rId8" imgW="15798800" imgH="4686300" progId="Equation.DSMT4">
+                <p:oleObj spid="_x0000_s45746" name="Equation" r:id="rId8" imgW="15798800" imgH="4686300" progId="Equation.DSMT4">
                   <p:embed/>
                 </p:oleObj>
               </mc:Choice>
@@ -11198,7 +11198,7 @@
           <a:graphicData uri="http://schemas.openxmlformats.org/presentationml/2006/ole">
             <mc:AlternateContent xmlns:mc="http://schemas.openxmlformats.org/markup-compatibility/2006">
               <mc:Choice xmlns:v="urn:schemas-microsoft-com:vml" Requires="v">
-                <p:oleObj spid="_x0000_s45651" name="Equation" r:id="rId10" imgW="35699700" imgH="10528300" progId="Equation.DSMT4">
+                <p:oleObj spid="_x0000_s45747" name="Equation" r:id="rId10" imgW="35699700" imgH="10528300" progId="Equation.DSMT4">
                   <p:embed/>
                 </p:oleObj>
               </mc:Choice>
@@ -12643,7 +12643,7 @@
           <a:graphicData uri="http://schemas.openxmlformats.org/presentationml/2006/ole">
             <mc:AlternateContent xmlns:mc="http://schemas.openxmlformats.org/markup-compatibility/2006">
               <mc:Choice xmlns:v="urn:schemas-microsoft-com:vml" Requires="v">
-                <p:oleObj spid="_x0000_s48025" name="Equation" r:id="rId4" imgW="48272700" imgH="9944100" progId="Equation.DSMT4">
+                <p:oleObj spid="_x0000_s48121" name="Equation" r:id="rId4" imgW="48272700" imgH="9944100" progId="Equation.DSMT4">
                   <p:embed/>
                 </p:oleObj>
               </mc:Choice>
@@ -12725,7 +12725,7 @@
           <a:graphicData uri="http://schemas.openxmlformats.org/presentationml/2006/ole">
             <mc:AlternateContent xmlns:mc="http://schemas.openxmlformats.org/markup-compatibility/2006">
               <mc:Choice xmlns:v="urn:schemas-microsoft-com:vml" Requires="v">
-                <p:oleObj spid="_x0000_s48026" name="Equation" r:id="rId6" imgW="31013400" imgH="10528300" progId="Equation.DSMT4">
+                <p:oleObj spid="_x0000_s48122" name="Equation" r:id="rId6" imgW="31013400" imgH="10528300" progId="Equation.DSMT4">
                   <p:embed/>
                 </p:oleObj>
               </mc:Choice>
@@ -12807,7 +12807,7 @@
           <a:graphicData uri="http://schemas.openxmlformats.org/presentationml/2006/ole">
             <mc:AlternateContent xmlns:mc="http://schemas.openxmlformats.org/markup-compatibility/2006">
               <mc:Choice xmlns:v="urn:schemas-microsoft-com:vml" Requires="v">
-                <p:oleObj spid="_x0000_s48027" name="Equation" r:id="rId8" imgW="33642300" imgH="10528300" progId="Equation.DSMT4">
+                <p:oleObj spid="_x0000_s48123" name="Equation" r:id="rId8" imgW="33642300" imgH="10528300" progId="Equation.DSMT4">
                   <p:embed/>
                 </p:oleObj>
               </mc:Choice>
@@ -12889,7 +12889,7 @@
           <a:graphicData uri="http://schemas.openxmlformats.org/presentationml/2006/ole">
             <mc:AlternateContent xmlns:mc="http://schemas.openxmlformats.org/markup-compatibility/2006">
               <mc:Choice xmlns:v="urn:schemas-microsoft-com:vml" Requires="v">
-                <p:oleObj spid="_x0000_s48028" name="Equation" r:id="rId10" imgW="14046200" imgH="42710100" progId="Equation.DSMT4">
+                <p:oleObj spid="_x0000_s48124" name="Equation" r:id="rId10" imgW="14046200" imgH="42710100" progId="Equation.DSMT4">
                   <p:embed/>
                 </p:oleObj>
               </mc:Choice>
@@ -13882,7 +13882,7 @@
                 <a:latin typeface="Calibri" panose="020F0502020204030204" pitchFamily="34" charset="0"/>
                 <a:cs typeface="Calibri" panose="020F0502020204030204" pitchFamily="34" charset="0"/>
               </a:rPr>
-              <a:t>: measures the spread of data from the mean. However, variance is not enough. There are many different ways in that we get the same variance.</a:t>
+              <a:t>: measures the spread of data from the mean. However, variance is not enough. There are many different ways in that we get the same variance (see next slide).</a:t>
             </a:r>
           </a:p>
           <a:p>
@@ -14457,7 +14457,7 @@
           <a:graphicData uri="http://schemas.openxmlformats.org/presentationml/2006/ole">
             <mc:AlternateContent xmlns:mc="http://schemas.openxmlformats.org/markup-compatibility/2006">
               <mc:Choice xmlns:v="urn:schemas-microsoft-com:vml" Requires="v">
-                <p:oleObj spid="_x0000_s61732" name="Equation" r:id="rId4" imgW="49733200" imgH="9944100" progId="Equation.DSMT4">
+                <p:oleObj spid="_x0000_s61852" name="Equation" r:id="rId4" imgW="49733200" imgH="9944100" progId="Equation.DSMT4">
                   <p:embed/>
                 </p:oleObj>
               </mc:Choice>
@@ -14539,7 +14539,7 @@
           <a:graphicData uri="http://schemas.openxmlformats.org/presentationml/2006/ole">
             <mc:AlternateContent xmlns:mc="http://schemas.openxmlformats.org/markup-compatibility/2006">
               <mc:Choice xmlns:v="urn:schemas-microsoft-com:vml" Requires="v">
-                <p:oleObj spid="_x0000_s61733" name="Equation" r:id="rId6" imgW="11696700" imgH="26911300" progId="Equation.DSMT4">
+                <p:oleObj spid="_x0000_s61853" name="Equation" r:id="rId6" imgW="11696700" imgH="26911300" progId="Equation.DSMT4">
                   <p:embed/>
                 </p:oleObj>
               </mc:Choice>
@@ -14621,7 +14621,7 @@
           <a:graphicData uri="http://schemas.openxmlformats.org/presentationml/2006/ole">
             <mc:AlternateContent xmlns:mc="http://schemas.openxmlformats.org/markup-compatibility/2006">
               <mc:Choice xmlns:v="urn:schemas-microsoft-com:vml" Requires="v">
-                <p:oleObj spid="_x0000_s61734" name="Equation" r:id="rId8" imgW="34226500" imgH="10528300" progId="Equation.DSMT4">
+                <p:oleObj spid="_x0000_s61854" name="Equation" r:id="rId8" imgW="34226500" imgH="10528300" progId="Equation.DSMT4">
                   <p:embed/>
                 </p:oleObj>
               </mc:Choice>
@@ -14703,7 +14703,7 @@
           <a:graphicData uri="http://schemas.openxmlformats.org/presentationml/2006/ole">
             <mc:AlternateContent xmlns:mc="http://schemas.openxmlformats.org/markup-compatibility/2006">
               <mc:Choice xmlns:v="urn:schemas-microsoft-com:vml" Requires="v">
-                <p:oleObj spid="_x0000_s61735" name="Equation" r:id="rId10" imgW="11404600" imgH="4686300" progId="Equation.DSMT4">
+                <p:oleObj spid="_x0000_s61855" name="Equation" r:id="rId10" imgW="11404600" imgH="4686300" progId="Equation.DSMT4">
                   <p:embed/>
                 </p:oleObj>
               </mc:Choice>
@@ -14828,7 +14828,7 @@
           <a:graphicData uri="http://schemas.openxmlformats.org/presentationml/2006/ole">
             <mc:AlternateContent xmlns:mc="http://schemas.openxmlformats.org/markup-compatibility/2006">
               <mc:Choice xmlns:v="urn:schemas-microsoft-com:vml" Requires="v">
-                <p:oleObj spid="_x0000_s61736" name="Equation" r:id="rId12" imgW="14046200" imgH="42710100" progId="Equation.DSMT4">
+                <p:oleObj spid="_x0000_s61856" name="Equation" r:id="rId12" imgW="14046200" imgH="42710100" progId="Equation.DSMT4">
                   <p:embed/>
                 </p:oleObj>
               </mc:Choice>
@@ -16134,35 +16134,49 @@
                 <a:latin typeface="Calibri" panose="020F0502020204030204" pitchFamily="34" charset="0"/>
                 <a:cs typeface="Calibri" panose="020F0502020204030204" pitchFamily="34" charset="0"/>
               </a:rPr>
-              <a:t>Find the eigenvalues  𝜆</a:t>
-            </a:r>
-            <a:r>
-              <a:rPr lang="en-US" sz="2600" baseline="-25000" dirty="0">
+              <a:t>Find the eigenvalues  </a:t>
+            </a:r>
+            <a:r>
+              <a:rPr lang="en-US" sz="2600" i="1" dirty="0">
+                <a:latin typeface="Calibri" panose="020F0502020204030204" pitchFamily="34" charset="0"/>
+                <a:cs typeface="Calibri" panose="020F0502020204030204" pitchFamily="34" charset="0"/>
+              </a:rPr>
+              <a:t>𝜆</a:t>
+            </a:r>
+            <a:r>
+              <a:rPr lang="en-US" sz="2600" i="1" baseline="-25000" dirty="0">
                 <a:latin typeface="Calibri" panose="020F0502020204030204" pitchFamily="34" charset="0"/>
                 <a:cs typeface="Calibri" panose="020F0502020204030204" pitchFamily="34" charset="0"/>
               </a:rPr>
               <a:t>1</a:t>
             </a:r>
             <a:r>
+              <a:rPr lang="el-GR" sz="2600" i="1" dirty="0">
+                <a:latin typeface="Calibri" panose="020F0502020204030204" pitchFamily="34" charset="0"/>
+                <a:cs typeface="Calibri" panose="020F0502020204030204" pitchFamily="34" charset="0"/>
+              </a:rPr>
+              <a:t>,λ</a:t>
+            </a:r>
+            <a:r>
+              <a:rPr lang="el-GR" sz="2600" i="1" baseline="-25000" dirty="0">
+                <a:latin typeface="Calibri" panose="020F0502020204030204" pitchFamily="34" charset="0"/>
+                <a:cs typeface="Calibri" panose="020F0502020204030204" pitchFamily="34" charset="0"/>
+              </a:rPr>
+              <a:t>2</a:t>
+            </a:r>
+            <a:r>
+              <a:rPr lang="el-GR" sz="2600" i="1" dirty="0">
+                <a:latin typeface="Calibri" panose="020F0502020204030204" pitchFamily="34" charset="0"/>
+                <a:cs typeface="Calibri" panose="020F0502020204030204" pitchFamily="34" charset="0"/>
+              </a:rPr>
+              <a:t>​</a:t>
+            </a:r>
+            <a:r>
               <a:rPr lang="el-GR" sz="2600" dirty="0">
                 <a:latin typeface="Calibri" panose="020F0502020204030204" pitchFamily="34" charset="0"/>
                 <a:cs typeface="Calibri" panose="020F0502020204030204" pitchFamily="34" charset="0"/>
               </a:rPr>
-              <a:t>,λ</a:t>
-            </a:r>
-            <a:r>
-              <a:rPr lang="el-GR" sz="2600" baseline="-25000" dirty="0">
-                <a:latin typeface="Calibri" panose="020F0502020204030204" pitchFamily="34" charset="0"/>
-                <a:cs typeface="Calibri" panose="020F0502020204030204" pitchFamily="34" charset="0"/>
-              </a:rPr>
-              <a:t>2</a:t>
-            </a:r>
-            <a:r>
-              <a:rPr lang="el-GR" sz="2600" dirty="0">
-                <a:latin typeface="Calibri" panose="020F0502020204030204" pitchFamily="34" charset="0"/>
-                <a:cs typeface="Calibri" panose="020F0502020204030204" pitchFamily="34" charset="0"/>
-              </a:rPr>
-              <a:t>​,… </a:t>
+              <a:t>,… </a:t>
             </a:r>
             <a:r>
               <a:rPr lang="en-US" sz="2600" dirty="0">
@@ -16959,7 +16973,7 @@
                   <a:srgbClr val="E46102"/>
                 </a:solidFill>
               </a:rPr>
-              <a:t>PCA Steps</a:t>
+              <a:t>Revisit all PCA Steps</a:t>
             </a:r>
             <a:endParaRPr sz="4000" b="1" dirty="0">
               <a:solidFill>
@@ -17193,15 +17207,20 @@
         </p:nvSpPr>
         <p:spPr bwMode="auto">
           <a:xfrm>
-            <a:off x="8595155" y="1373486"/>
-            <a:ext cx="2612197" cy="711200"/>
+            <a:off x="8649209" y="2076783"/>
+            <a:ext cx="2197767" cy="711200"/>
           </a:xfrm>
           <a:prstGeom prst="rect">
             <a:avLst/>
           </a:prstGeom>
           <a:noFill/>
-          <a:ln>
-            <a:noFill/>
+          <a:ln w="9525">
+            <a:solidFill>
+              <a:srgbClr val="000000"/>
+            </a:solidFill>
+            <a:miter lim="800000"/>
+            <a:headEnd/>
+            <a:tailEnd/>
           </a:ln>
           <a:extLst>
             <a:ext uri="{909E8E84-426E-40DD-AFC4-6F175D3DCCD1}">
@@ -17210,16 +17229,6 @@
                   <a:srgbClr val="FFFFFF"/>
                 </a:solidFill>
               </a14:hiddenFill>
-            </a:ext>
-            <a:ext uri="{91240B29-F687-4F45-9708-019B960494DF}">
-              <a14:hiddenLine xmlns:a14="http://schemas.microsoft.com/office/drawing/2010/main" w="9525">
-                <a:solidFill>
-                  <a:srgbClr val="000000"/>
-                </a:solidFill>
-                <a:miter lim="800000"/>
-                <a:headEnd/>
-                <a:tailEnd/>
-              </a14:hiddenLine>
             </a:ext>
           </a:extLst>
         </p:spPr>
@@ -17383,12 +17392,12 @@
             </a:lvl9pPr>
           </a:lstStyle>
           <a:p>
-            <a:pPr lvl="1" eaLnBrk="1" hangingPunct="1">
+            <a:pPr marL="63500" lvl="1" eaLnBrk="1" hangingPunct="1">
               <a:buFont typeface="Arial" panose="020B0604020202020204" pitchFamily="34" charset="0"/>
               <a:buNone/>
             </a:pPr>
             <a:r>
-              <a:rPr lang="en-US" altLang="en-US" sz="2000" b="0" dirty="0">
+              <a:rPr lang="en-US" altLang="en-US" sz="2000" b="1" dirty="0">
                 <a:solidFill>
                   <a:srgbClr val="E46102"/>
                 </a:solidFill>
@@ -17396,7 +17405,7 @@
               <a:t>N</a:t>
             </a:r>
             <a:r>
-              <a:rPr lang="en-US" altLang="en-US" sz="2000" b="0" dirty="0">
+              <a:rPr lang="en-US" altLang="en-US" sz="2000" b="1" dirty="0">
                 <a:solidFill>
                   <a:srgbClr val="000000"/>
                 </a:solidFill>
@@ -17405,12 +17414,12 @@
             </a:r>
           </a:p>
           <a:p>
-            <a:pPr lvl="1" eaLnBrk="1" hangingPunct="1">
+            <a:pPr marL="301625" lvl="1" indent="-238125" eaLnBrk="1" hangingPunct="1">
               <a:buFont typeface="Arial" panose="020B0604020202020204" pitchFamily="34" charset="0"/>
               <a:buNone/>
             </a:pPr>
             <a:r>
-              <a:rPr lang="en-US" altLang="en-US" sz="2000" b="0" dirty="0">
+              <a:rPr lang="en-US" altLang="en-US" sz="2000" b="1" dirty="0">
                 <a:solidFill>
                   <a:srgbClr val="E46102"/>
                 </a:solidFill>
@@ -17418,7 +17427,7 @@
               <a:t>M</a:t>
             </a:r>
             <a:r>
-              <a:rPr lang="en-US" altLang="en-US" sz="2000" b="0" dirty="0">
+              <a:rPr lang="en-US" altLang="en-US" sz="2000" b="1" dirty="0">
                 <a:solidFill>
                   <a:srgbClr val="000000"/>
                 </a:solidFill>
@@ -17456,7 +17465,7 @@
           <a:graphicData uri="http://schemas.openxmlformats.org/presentationml/2006/ole">
             <mc:AlternateContent xmlns:mc="http://schemas.openxmlformats.org/markup-compatibility/2006">
               <mc:Choice xmlns:v="urn:schemas-microsoft-com:vml" Requires="v">
-                <p:oleObj spid="_x0000_s48709" name="Equation" r:id="rId4" imgW="18135600" imgH="9944100" progId="Equation.DSMT4">
+                <p:oleObj spid="_x0000_s48805" name="Equation" r:id="rId4" imgW="18135600" imgH="9944100" progId="Equation.DSMT4">
                   <p:embed/>
                 </p:oleObj>
               </mc:Choice>
@@ -17557,7 +17566,7 @@
           <a:graphicData uri="http://schemas.openxmlformats.org/presentationml/2006/ole">
             <mc:AlternateContent xmlns:mc="http://schemas.openxmlformats.org/markup-compatibility/2006">
               <mc:Choice xmlns:v="urn:schemas-microsoft-com:vml" Requires="v">
-                <p:oleObj spid="_x0000_s48710" name="Equation" r:id="rId6" imgW="16090900" imgH="5270500" progId="Equation.DSMT4">
+                <p:oleObj spid="_x0000_s48806" name="Equation" r:id="rId6" imgW="16090900" imgH="5270500" progId="Equation.DSMT4">
                   <p:embed/>
                 </p:oleObj>
               </mc:Choice>
@@ -17658,7 +17667,7 @@
           <a:graphicData uri="http://schemas.openxmlformats.org/presentationml/2006/ole">
             <mc:AlternateContent xmlns:mc="http://schemas.openxmlformats.org/markup-compatibility/2006">
               <mc:Choice xmlns:v="urn:schemas-microsoft-com:vml" Requires="v">
-                <p:oleObj spid="_x0000_s48711" name="Equation" r:id="rId8" imgW="62318900" imgH="9944100" progId="Equation.DSMT4">
+                <p:oleObj spid="_x0000_s48807" name="Equation" r:id="rId8" imgW="62318900" imgH="9944100" progId="Equation.DSMT4">
                   <p:embed/>
                 </p:oleObj>
               </mc:Choice>
@@ -17759,7 +17768,7 @@
           <a:graphicData uri="http://schemas.openxmlformats.org/presentationml/2006/ole">
             <mc:AlternateContent xmlns:mc="http://schemas.openxmlformats.org/markup-compatibility/2006">
               <mc:Choice xmlns:v="urn:schemas-microsoft-com:vml" Requires="v">
-                <p:oleObj spid="_x0000_s48712" name="Equation" r:id="rId10" imgW="11696700" imgH="9067800" progId="Equation.DSMT4">
+                <p:oleObj spid="_x0000_s48808" name="Equation" r:id="rId10" imgW="11696700" imgH="9067800" progId="Equation.DSMT4">
                   <p:embed/>
                 </p:oleObj>
               </mc:Choice>
@@ -18503,7 +18512,7 @@
       </p:par>
     </p:tnLst>
     <p:bldLst>
-      <p:bldP spid="4" grpId="0"/>
+      <p:bldP spid="4" grpId="0" animBg="1"/>
       <p:bldP spid="9" grpId="0"/>
     </p:bldLst>
   </p:timing>
@@ -18890,7 +18899,7 @@
           <a:graphicData uri="http://schemas.openxmlformats.org/presentationml/2006/ole">
             <mc:AlternateContent xmlns:mc="http://schemas.openxmlformats.org/markup-compatibility/2006">
               <mc:Choice xmlns:v="urn:schemas-microsoft-com:vml" Requires="v">
-                <p:oleObj spid="_x0000_s49863" name="Equation" r:id="rId4" imgW="25158700" imgH="5270500" progId="Equation.DSMT4">
+                <p:oleObj spid="_x0000_s49983" name="Equation" r:id="rId4" imgW="25158700" imgH="5270500" progId="Equation.DSMT4">
                   <p:embed/>
                 </p:oleObj>
               </mc:Choice>
@@ -18978,7 +18987,7 @@
         <p:spPr>
           <a:xfrm>
             <a:off x="1281627" y="2871809"/>
-            <a:ext cx="8408988" cy="584200"/>
+            <a:ext cx="7764049" cy="584775"/>
           </a:xfrm>
           <a:prstGeom prst="rect">
             <a:avLst/>
@@ -19009,7 +19018,7 @@
               <a:rPr lang="en-US" sz="1600" b="0" dirty="0">
                 <a:latin typeface="+mn-lt"/>
               </a:rPr>
-              <a:t> most software packages return the eigenvalues (and corresponding eigenvectors) </a:t>
+              <a:t> most ML packages return the eigenvalues (and corresponding eigenvectors) </a:t>
             </a:r>
           </a:p>
           <a:p>
@@ -19053,7 +19062,7 @@
           <a:graphicData uri="http://schemas.openxmlformats.org/presentationml/2006/ole">
             <mc:AlternateContent xmlns:mc="http://schemas.openxmlformats.org/markup-compatibility/2006">
               <mc:Choice xmlns:v="urn:schemas-microsoft-com:vml" Requires="v">
-                <p:oleObj spid="_x0000_s49864" name="Equation" r:id="rId6" imgW="15506700" imgH="5270500" progId="Equation.DSMT4">
+                <p:oleObj spid="_x0000_s49984" name="Equation" r:id="rId6" imgW="15506700" imgH="5270500" progId="Equation.DSMT4">
                   <p:embed/>
                 </p:oleObj>
               </mc:Choice>
@@ -19194,7 +19203,7 @@
           <a:graphicData uri="http://schemas.openxmlformats.org/presentationml/2006/ole">
             <mc:AlternateContent xmlns:mc="http://schemas.openxmlformats.org/markup-compatibility/2006">
               <mc:Choice xmlns:v="urn:schemas-microsoft-com:vml" Requires="v">
-                <p:oleObj spid="_x0000_s49865" name="Equation" r:id="rId8" imgW="55003700" imgH="9944100" progId="Equation.DSMT4">
+                <p:oleObj spid="_x0000_s49985" name="Equation" r:id="rId8" imgW="55003700" imgH="9944100" progId="Equation.DSMT4">
                   <p:embed/>
                 </p:oleObj>
               </mc:Choice>
@@ -19294,7 +19303,7 @@
               <a:rPr lang="en-US" sz="1600" b="0" dirty="0">
                 <a:latin typeface="+mn-lt"/>
               </a:rPr>
-              <a:t>most software packages normalize </a:t>
+              <a:t>most ML packages normalize </a:t>
             </a:r>
             <a:r>
               <a:rPr lang="en-US" sz="1600" b="0" dirty="0" err="1">
@@ -19345,7 +19354,7 @@
           <a:graphicData uri="http://schemas.openxmlformats.org/presentationml/2006/ole">
             <mc:AlternateContent xmlns:mc="http://schemas.openxmlformats.org/markup-compatibility/2006">
               <mc:Choice xmlns:v="urn:schemas-microsoft-com:vml" Requires="v">
-                <p:oleObj spid="_x0000_s49866" name="Equation" r:id="rId10" imgW="59690000" imgH="10820400" progId="Equation.DSMT4">
+                <p:oleObj spid="_x0000_s49986" name="Equation" r:id="rId10" imgW="59690000" imgH="10820400" progId="Equation.DSMT4">
                   <p:embed/>
                 </p:oleObj>
               </mc:Choice>
@@ -19489,7 +19498,7 @@
           <a:graphicData uri="http://schemas.openxmlformats.org/presentationml/2006/ole">
             <mc:AlternateContent xmlns:mc="http://schemas.openxmlformats.org/markup-compatibility/2006">
               <mc:Choice xmlns:v="urn:schemas-microsoft-com:vml" Requires="v">
-                <p:oleObj spid="_x0000_s49867" name="Equation" r:id="rId12" imgW="31305500" imgH="42710100" progId="Equation.DSMT4">
+                <p:oleObj spid="_x0000_s49987" name="Equation" r:id="rId12" imgW="31305500" imgH="42710100" progId="Equation.DSMT4">
                   <p:embed/>
                 </p:oleObj>
               </mc:Choice>
@@ -19956,7 +19965,7 @@
       </p:par>
     </p:tnLst>
     <p:bldLst>
-      <p:bldP spid="5" grpId="0"/>
+      <p:bldP spid="5" grpId="0" animBg="1"/>
       <p:bldP spid="7" grpId="0"/>
       <p:bldP spid="9" grpId="0" animBg="1"/>
       <p:bldP spid="11" grpId="0"/>
@@ -20111,7 +20120,7 @@
           <a:graphicData uri="http://schemas.openxmlformats.org/presentationml/2006/ole">
             <mc:AlternateContent xmlns:mc="http://schemas.openxmlformats.org/markup-compatibility/2006">
               <mc:Choice xmlns:v="urn:schemas-microsoft-com:vml" Requires="v">
-                <p:oleObj spid="_x0000_s50719" name="Equation" r:id="rId4" imgW="55003700" imgH="9944100" progId="Equation.DSMT4">
+                <p:oleObj spid="_x0000_s50815" name="Equation" r:id="rId4" imgW="55003700" imgH="9944100" progId="Equation.DSMT4">
                   <p:embed/>
                 </p:oleObj>
               </mc:Choice>
@@ -20495,7 +20504,7 @@
           <a:graphicData uri="http://schemas.openxmlformats.org/presentationml/2006/ole">
             <mc:AlternateContent xmlns:mc="http://schemas.openxmlformats.org/markup-compatibility/2006">
               <mc:Choice xmlns:v="urn:schemas-microsoft-com:vml" Requires="v">
-                <p:oleObj spid="_x0000_s50720" name="Equation" r:id="rId6" imgW="9652000" imgH="4686300" progId="Equation.DSMT4">
+                <p:oleObj spid="_x0000_s50816" name="Equation" r:id="rId6" imgW="9652000" imgH="4686300" progId="Equation.DSMT4">
                   <p:embed/>
                 </p:oleObj>
               </mc:Choice>
@@ -20596,7 +20605,7 @@
           <a:graphicData uri="http://schemas.openxmlformats.org/presentationml/2006/ole">
             <mc:AlternateContent xmlns:mc="http://schemas.openxmlformats.org/markup-compatibility/2006">
               <mc:Choice xmlns:v="urn:schemas-microsoft-com:vml" Requires="v">
-                <p:oleObj spid="_x0000_s50721" name="Equation" r:id="rId8" imgW="55003700" imgH="9944100" progId="Equation.DSMT4">
+                <p:oleObj spid="_x0000_s50817" name="Equation" r:id="rId8" imgW="55003700" imgH="9944100" progId="Equation.DSMT4">
                   <p:embed/>
                 </p:oleObj>
               </mc:Choice>
@@ -20747,7 +20756,7 @@
           <a:graphicData uri="http://schemas.openxmlformats.org/presentationml/2006/ole">
             <mc:AlternateContent xmlns:mc="http://schemas.openxmlformats.org/markup-compatibility/2006">
               <mc:Choice xmlns:v="urn:schemas-microsoft-com:vml" Requires="v">
-                <p:oleObj spid="_x0000_s50722" name="Equation" r:id="rId10" imgW="51206400" imgH="42710100" progId="Equation.DSMT4">
+                <p:oleObj spid="_x0000_s50818" name="Equation" r:id="rId10" imgW="51206400" imgH="42710100" progId="Equation.DSMT4">
                   <p:embed/>
                 </p:oleObj>
               </mc:Choice>
@@ -21243,2093 +21252,6 @@
                   <a:srgbClr val="E46102"/>
                 </a:solidFill>
               </a:rPr>
-              <a:t>Interpretation of PCA</a:t>
-            </a:r>
-            <a:endParaRPr sz="4000" b="1" dirty="0">
-              <a:solidFill>
-                <a:srgbClr val="E46102"/>
-              </a:solidFill>
-            </a:endParaRPr>
-          </a:p>
-        </p:txBody>
-      </p:sp>
-      <p:sp>
-        <p:nvSpPr>
-          <p:cNvPr id="96" name="Google Shape;96;p14"/>
-          <p:cNvSpPr txBox="1"/>
-          <p:nvPr/>
-        </p:nvSpPr>
-        <p:spPr>
-          <a:xfrm>
-            <a:off x="395183" y="1251829"/>
-            <a:ext cx="7010169" cy="4957385"/>
-          </a:xfrm>
-          <a:prstGeom prst="rect">
-            <a:avLst/>
-          </a:prstGeom>
-          <a:noFill/>
-          <a:ln>
-            <a:noFill/>
-          </a:ln>
-        </p:spPr>
-        <p:txBody>
-          <a:bodyPr spcFirstLastPara="1" wrap="square" lIns="121900" tIns="121900" rIns="121900" bIns="121900" anchor="t" anchorCtr="0">
-            <a:noAutofit/>
-          </a:bodyPr>
-          <a:lstStyle/>
-          <a:p>
-            <a:pPr marL="457200" indent="-457200">
-              <a:buFont typeface="Arial" panose="020B0604020202020204" pitchFamily="34" charset="0"/>
-              <a:buChar char="•"/>
-            </a:pPr>
-            <a:r>
-              <a:rPr lang="en-US" altLang="en-US" dirty="0"/>
-              <a:t>PCA chooses the eigenvectors of the covariance matrix corresponding to the largest eigenvalues.</a:t>
-            </a:r>
-          </a:p>
-          <a:p>
-            <a:pPr marL="457200" indent="-457200">
-              <a:buFont typeface="Arial" panose="020B0604020202020204" pitchFamily="34" charset="0"/>
-              <a:buChar char="•"/>
-            </a:pPr>
-            <a:endParaRPr lang="en-US" altLang="en-US" dirty="0"/>
-          </a:p>
-          <a:p>
-            <a:pPr marL="457200" indent="-457200">
-              <a:buFont typeface="Arial" panose="020B0604020202020204" pitchFamily="34" charset="0"/>
-              <a:buChar char="•"/>
-            </a:pPr>
-            <a:r>
-              <a:rPr lang="en-US" altLang="en-US" dirty="0"/>
-              <a:t>The eigenvalues correspond to the variance of the data along the eigenvector directions.</a:t>
-            </a:r>
-          </a:p>
-          <a:p>
-            <a:pPr marL="457200" indent="-457200">
-              <a:buFont typeface="Arial" panose="020B0604020202020204" pitchFamily="34" charset="0"/>
-              <a:buChar char="•"/>
-            </a:pPr>
-            <a:endParaRPr lang="en-US" altLang="en-US" dirty="0"/>
-          </a:p>
-          <a:p>
-            <a:pPr marL="457200" indent="-457200">
-              <a:buFont typeface="Arial" panose="020B0604020202020204" pitchFamily="34" charset="0"/>
-              <a:buChar char="•"/>
-            </a:pPr>
-            <a:r>
-              <a:rPr lang="en-US" altLang="en-US" dirty="0"/>
-              <a:t>Therefore, PCA projects the data along the directions where the data varies most.</a:t>
-            </a:r>
-          </a:p>
-          <a:p>
-            <a:pPr marL="457200" indent="-457200">
-              <a:buFont typeface="Arial" panose="020B0604020202020204" pitchFamily="34" charset="0"/>
-              <a:buChar char="•"/>
-            </a:pPr>
-            <a:endParaRPr lang="en-US" altLang="en-US" dirty="0"/>
-          </a:p>
-          <a:p>
-            <a:pPr marL="457200" indent="-457200">
-              <a:buFont typeface="Arial" panose="020B0604020202020204" pitchFamily="34" charset="0"/>
-              <a:buChar char="•"/>
-            </a:pPr>
-            <a:r>
-              <a:rPr lang="en-US" altLang="en-US" dirty="0"/>
-              <a:t>PCA preserves as much information in the data by preserving as much variance in the data.</a:t>
-            </a:r>
-          </a:p>
-          <a:p>
-            <a:pPr marL="457200" indent="-457200">
-              <a:buFont typeface="Arial" panose="020B0604020202020204" pitchFamily="34" charset="0"/>
-              <a:buChar char="•"/>
-            </a:pPr>
-            <a:endParaRPr lang="en-US" altLang="en-US" dirty="0"/>
-          </a:p>
-        </p:txBody>
-      </p:sp>
-      <p:pic>
-        <p:nvPicPr>
-          <p:cNvPr id="4" name="Picture 5">
-            <a:extLst>
-              <a:ext uri="{FF2B5EF4-FFF2-40B4-BE49-F238E27FC236}">
-                <a16:creationId xmlns:a16="http://schemas.microsoft.com/office/drawing/2014/main" id="{CC86F90F-B562-7848-A5E1-95DF9F034521}"/>
-              </a:ext>
-            </a:extLst>
-          </p:cNvPr>
-          <p:cNvPicPr>
-            <a:picLocks noChangeAspect="1" noChangeArrowheads="1"/>
-          </p:cNvPicPr>
-          <p:nvPr/>
-        </p:nvPicPr>
-        <p:blipFill>
-          <a:blip r:embed="rId3">
-            <a:extLst>
-              <a:ext uri="{28A0092B-C50C-407E-A947-70E740481C1C}">
-                <a14:useLocalDpi xmlns:a14="http://schemas.microsoft.com/office/drawing/2010/main" val="0"/>
-              </a:ext>
-            </a:extLst>
-          </a:blip>
-          <a:srcRect/>
-          <a:stretch>
-            <a:fillRect/>
-          </a:stretch>
-        </p:blipFill>
-        <p:spPr>
-          <a:xfrm>
-            <a:off x="8348797" y="1657081"/>
-            <a:ext cx="2667000" cy="1866900"/>
-          </a:xfrm>
-          <a:prstGeom prst="rect">
-            <a:avLst/>
-          </a:prstGeom>
-        </p:spPr>
-      </p:pic>
-      <p:sp>
-        <p:nvSpPr>
-          <p:cNvPr id="5" name="TextBox 4">
-            <a:extLst>
-              <a:ext uri="{FF2B5EF4-FFF2-40B4-BE49-F238E27FC236}">
-                <a16:creationId xmlns:a16="http://schemas.microsoft.com/office/drawing/2014/main" id="{F4C17EE9-8A1D-0D4E-B0F5-7981DCD0D221}"/>
-              </a:ext>
-            </a:extLst>
-          </p:cNvPr>
-          <p:cNvSpPr txBox="1"/>
-          <p:nvPr/>
-        </p:nvSpPr>
-        <p:spPr>
-          <a:xfrm>
-            <a:off x="8348797" y="3943081"/>
-            <a:ext cx="3090862" cy="647700"/>
-          </a:xfrm>
-          <a:prstGeom prst="rect">
-            <a:avLst/>
-          </a:prstGeom>
-          <a:noFill/>
-        </p:spPr>
-        <p:txBody>
-          <a:bodyPr wrap="none">
-            <a:spAutoFit/>
-          </a:bodyPr>
-          <a:lstStyle/>
-          <a:p>
-            <a:pPr>
-              <a:defRPr/>
-            </a:pPr>
-            <a:r>
-              <a:rPr lang="en-US" sz="1800" b="0" dirty="0">
-                <a:latin typeface="+mn-lt"/>
-              </a:rPr>
-              <a:t>u</a:t>
-            </a:r>
-            <a:r>
-              <a:rPr lang="en-US" sz="1800" b="0" baseline="-25000" dirty="0">
-                <a:latin typeface="+mn-lt"/>
-              </a:rPr>
-              <a:t>1</a:t>
-            </a:r>
-            <a:r>
-              <a:rPr lang="en-US" sz="1800" b="0" dirty="0">
-                <a:latin typeface="+mn-lt"/>
-              </a:rPr>
-              <a:t>: direction of max variance</a:t>
-            </a:r>
-          </a:p>
-          <a:p>
-            <a:pPr>
-              <a:defRPr/>
-            </a:pPr>
-            <a:r>
-              <a:rPr lang="en-US" sz="1800" b="0" dirty="0">
-                <a:latin typeface="Arial"/>
-              </a:rPr>
-              <a:t>u</a:t>
-            </a:r>
-            <a:r>
-              <a:rPr lang="en-US" sz="1800" b="0" baseline="-25000" dirty="0">
-                <a:latin typeface="Arial"/>
-              </a:rPr>
-              <a:t>2</a:t>
-            </a:r>
-            <a:r>
-              <a:rPr lang="en-US" sz="1800" b="0" dirty="0">
-                <a:latin typeface="Arial"/>
-              </a:rPr>
-              <a:t>: orthogonal to u</a:t>
-            </a:r>
-            <a:r>
-              <a:rPr lang="en-US" sz="1800" b="0" baseline="-25000" dirty="0">
-                <a:latin typeface="Arial"/>
-              </a:rPr>
-              <a:t>1</a:t>
-            </a:r>
-            <a:endParaRPr lang="en-US" sz="1800" b="0" dirty="0"/>
-          </a:p>
-        </p:txBody>
-      </p:sp>
-    </p:spTree>
-    <p:extLst>
-      <p:ext uri="{BB962C8B-B14F-4D97-AF65-F5344CB8AC3E}">
-        <p14:creationId xmlns:p14="http://schemas.microsoft.com/office/powerpoint/2010/main" val="837480028"/>
-      </p:ext>
-    </p:extLst>
-  </p:cSld>
-  <p:clrMapOvr>
-    <a:masterClrMapping/>
-  </p:clrMapOvr>
-  <p:timing>
-    <p:tnLst>
-      <p:par>
-        <p:cTn id="1" dur="indefinite" restart="never" nodeType="tmRoot">
-          <p:childTnLst>
-            <p:seq concurrent="1" nextAc="seek">
-              <p:cTn id="2" dur="indefinite" nodeType="mainSeq">
-                <p:childTnLst>
-                  <p:par>
-                    <p:cTn id="3" fill="hold">
-                      <p:stCondLst>
-                        <p:cond delay="indefinite"/>
-                      </p:stCondLst>
-                      <p:childTnLst>
-                        <p:par>
-                          <p:cTn id="4" fill="hold">
-                            <p:stCondLst>
-                              <p:cond delay="0"/>
-                            </p:stCondLst>
-                            <p:childTnLst>
-                              <p:par>
-                                <p:cTn id="5" presetID="1" presetClass="entr" presetSubtype="0" fill="hold" nodeType="clickEffect">
-                                  <p:stCondLst>
-                                    <p:cond delay="0"/>
-                                  </p:stCondLst>
-                                  <p:childTnLst>
-                                    <p:set>
-                                      <p:cBhvr>
-                                        <p:cTn id="6" dur="1" fill="hold">
-                                          <p:stCondLst>
-                                            <p:cond delay="0"/>
-                                          </p:stCondLst>
-                                        </p:cTn>
-                                        <p:tgtEl>
-                                          <p:spTgt spid="96">
-                                            <p:txEl>
-                                              <p:pRg st="0" end="0"/>
-                                            </p:txEl>
-                                          </p:spTgt>
-                                        </p:tgtEl>
-                                        <p:attrNameLst>
-                                          <p:attrName>style.visibility</p:attrName>
-                                        </p:attrNameLst>
-                                      </p:cBhvr>
-                                      <p:to>
-                                        <p:strVal val="visible"/>
-                                      </p:to>
-                                    </p:set>
-                                  </p:childTnLst>
-                                </p:cTn>
-                              </p:par>
-                            </p:childTnLst>
-                          </p:cTn>
-                        </p:par>
-                      </p:childTnLst>
-                    </p:cTn>
-                  </p:par>
-                  <p:par>
-                    <p:cTn id="7" fill="hold">
-                      <p:stCondLst>
-                        <p:cond delay="indefinite"/>
-                      </p:stCondLst>
-                      <p:childTnLst>
-                        <p:par>
-                          <p:cTn id="8" fill="hold">
-                            <p:stCondLst>
-                              <p:cond delay="0"/>
-                            </p:stCondLst>
-                            <p:childTnLst>
-                              <p:par>
-                                <p:cTn id="9" presetID="1" presetClass="entr" presetSubtype="0" fill="hold" nodeType="clickEffect">
-                                  <p:stCondLst>
-                                    <p:cond delay="0"/>
-                                  </p:stCondLst>
-                                  <p:childTnLst>
-                                    <p:set>
-                                      <p:cBhvr>
-                                        <p:cTn id="10" dur="1" fill="hold">
-                                          <p:stCondLst>
-                                            <p:cond delay="0"/>
-                                          </p:stCondLst>
-                                        </p:cTn>
-                                        <p:tgtEl>
-                                          <p:spTgt spid="96">
-                                            <p:txEl>
-                                              <p:pRg st="2" end="2"/>
-                                            </p:txEl>
-                                          </p:spTgt>
-                                        </p:tgtEl>
-                                        <p:attrNameLst>
-                                          <p:attrName>style.visibility</p:attrName>
-                                        </p:attrNameLst>
-                                      </p:cBhvr>
-                                      <p:to>
-                                        <p:strVal val="visible"/>
-                                      </p:to>
-                                    </p:set>
-                                  </p:childTnLst>
-                                </p:cTn>
-                              </p:par>
-                            </p:childTnLst>
-                          </p:cTn>
-                        </p:par>
-                      </p:childTnLst>
-                    </p:cTn>
-                  </p:par>
-                  <p:par>
-                    <p:cTn id="11" fill="hold">
-                      <p:stCondLst>
-                        <p:cond delay="indefinite"/>
-                      </p:stCondLst>
-                      <p:childTnLst>
-                        <p:par>
-                          <p:cTn id="12" fill="hold">
-                            <p:stCondLst>
-                              <p:cond delay="0"/>
-                            </p:stCondLst>
-                            <p:childTnLst>
-                              <p:par>
-                                <p:cTn id="13" presetID="1" presetClass="entr" presetSubtype="0" fill="hold" nodeType="clickEffect">
-                                  <p:stCondLst>
-                                    <p:cond delay="0"/>
-                                  </p:stCondLst>
-                                  <p:childTnLst>
-                                    <p:set>
-                                      <p:cBhvr>
-                                        <p:cTn id="14" dur="1" fill="hold">
-                                          <p:stCondLst>
-                                            <p:cond delay="0"/>
-                                          </p:stCondLst>
-                                        </p:cTn>
-                                        <p:tgtEl>
-                                          <p:spTgt spid="96">
-                                            <p:txEl>
-                                              <p:pRg st="4" end="4"/>
-                                            </p:txEl>
-                                          </p:spTgt>
-                                        </p:tgtEl>
-                                        <p:attrNameLst>
-                                          <p:attrName>style.visibility</p:attrName>
-                                        </p:attrNameLst>
-                                      </p:cBhvr>
-                                      <p:to>
-                                        <p:strVal val="visible"/>
-                                      </p:to>
-                                    </p:set>
-                                  </p:childTnLst>
-                                </p:cTn>
-                              </p:par>
-                            </p:childTnLst>
-                          </p:cTn>
-                        </p:par>
-                      </p:childTnLst>
-                    </p:cTn>
-                  </p:par>
-                  <p:par>
-                    <p:cTn id="15" fill="hold">
-                      <p:stCondLst>
-                        <p:cond delay="indefinite"/>
-                      </p:stCondLst>
-                      <p:childTnLst>
-                        <p:par>
-                          <p:cTn id="16" fill="hold">
-                            <p:stCondLst>
-                              <p:cond delay="0"/>
-                            </p:stCondLst>
-                            <p:childTnLst>
-                              <p:par>
-                                <p:cTn id="17" presetID="1" presetClass="entr" presetSubtype="0" fill="hold" nodeType="clickEffect">
-                                  <p:stCondLst>
-                                    <p:cond delay="0"/>
-                                  </p:stCondLst>
-                                  <p:childTnLst>
-                                    <p:set>
-                                      <p:cBhvr>
-                                        <p:cTn id="18" dur="1" fill="hold">
-                                          <p:stCondLst>
-                                            <p:cond delay="0"/>
-                                          </p:stCondLst>
-                                        </p:cTn>
-                                        <p:tgtEl>
-                                          <p:spTgt spid="96">
-                                            <p:txEl>
-                                              <p:pRg st="6" end="6"/>
-                                            </p:txEl>
-                                          </p:spTgt>
-                                        </p:tgtEl>
-                                        <p:attrNameLst>
-                                          <p:attrName>style.visibility</p:attrName>
-                                        </p:attrNameLst>
-                                      </p:cBhvr>
-                                      <p:to>
-                                        <p:strVal val="visible"/>
-                                      </p:to>
-                                    </p:set>
-                                  </p:childTnLst>
-                                </p:cTn>
-                              </p:par>
-                            </p:childTnLst>
-                          </p:cTn>
-                        </p:par>
-                      </p:childTnLst>
-                    </p:cTn>
-                  </p:par>
-                  <p:par>
-                    <p:cTn id="19" fill="hold">
-                      <p:stCondLst>
-                        <p:cond delay="indefinite"/>
-                      </p:stCondLst>
-                      <p:childTnLst>
-                        <p:par>
-                          <p:cTn id="20" fill="hold">
-                            <p:stCondLst>
-                              <p:cond delay="0"/>
-                            </p:stCondLst>
-                            <p:childTnLst>
-                              <p:par>
-                                <p:cTn id="21" presetID="1" presetClass="entr" presetSubtype="0" fill="hold" nodeType="clickEffect">
-                                  <p:stCondLst>
-                                    <p:cond delay="0"/>
-                                  </p:stCondLst>
-                                  <p:childTnLst>
-                                    <p:set>
-                                      <p:cBhvr>
-                                        <p:cTn id="22" dur="1" fill="hold">
-                                          <p:stCondLst>
-                                            <p:cond delay="0"/>
-                                          </p:stCondLst>
-                                        </p:cTn>
-                                        <p:tgtEl>
-                                          <p:spTgt spid="4"/>
-                                        </p:tgtEl>
-                                        <p:attrNameLst>
-                                          <p:attrName>style.visibility</p:attrName>
-                                        </p:attrNameLst>
-                                      </p:cBhvr>
-                                      <p:to>
-                                        <p:strVal val="visible"/>
-                                      </p:to>
-                                    </p:set>
-                                  </p:childTnLst>
-                                </p:cTn>
-                              </p:par>
-                              <p:par>
-                                <p:cTn id="23" presetID="1" presetClass="entr" presetSubtype="0" fill="hold" grpId="0" nodeType="withEffect">
-                                  <p:stCondLst>
-                                    <p:cond delay="0"/>
-                                  </p:stCondLst>
-                                  <p:childTnLst>
-                                    <p:set>
-                                      <p:cBhvr>
-                                        <p:cTn id="24" dur="1" fill="hold">
-                                          <p:stCondLst>
-                                            <p:cond delay="0"/>
-                                          </p:stCondLst>
-                                        </p:cTn>
-                                        <p:tgtEl>
-                                          <p:spTgt spid="5"/>
-                                        </p:tgtEl>
-                                        <p:attrNameLst>
-                                          <p:attrName>style.visibility</p:attrName>
-                                        </p:attrNameLst>
-                                      </p:cBhvr>
-                                      <p:to>
-                                        <p:strVal val="visible"/>
-                                      </p:to>
-                                    </p:set>
-                                  </p:childTnLst>
-                                </p:cTn>
-                              </p:par>
-                            </p:childTnLst>
-                          </p:cTn>
-                        </p:par>
-                      </p:childTnLst>
-                    </p:cTn>
-                  </p:par>
-                </p:childTnLst>
-              </p:cTn>
-              <p:prevCondLst>
-                <p:cond evt="onPrev" delay="0">
-                  <p:tgtEl>
-                    <p:sldTgt/>
-                  </p:tgtEl>
-                </p:cond>
-              </p:prevCondLst>
-              <p:nextCondLst>
-                <p:cond evt="onNext" delay="0">
-                  <p:tgtEl>
-                    <p:sldTgt/>
-                  </p:tgtEl>
-                </p:cond>
-              </p:nextCondLst>
-            </p:seq>
-          </p:childTnLst>
-        </p:cTn>
-      </p:par>
-    </p:tnLst>
-    <p:bldLst>
-      <p:bldP spid="5" grpId="0"/>
-    </p:bldLst>
-  </p:timing>
-</p:sld>
-</file>
-
-<file path=ppt/slides/slide31.xml><?xml version="1.0" encoding="utf-8"?>
-<p:sld xmlns:a="http://schemas.openxmlformats.org/drawingml/2006/main" xmlns:r="http://schemas.openxmlformats.org/officeDocument/2006/relationships" xmlns:p="http://schemas.openxmlformats.org/presentationml/2006/main">
-  <p:cSld>
-    <p:spTree>
-      <p:nvGrpSpPr>
-        <p:cNvPr id="1" name="Shape 94"/>
-        <p:cNvGrpSpPr/>
-        <p:nvPr/>
-      </p:nvGrpSpPr>
-      <p:grpSpPr>
-        <a:xfrm>
-          <a:off x="0" y="0"/>
-          <a:ext cx="0" cy="0"/>
-          <a:chOff x="0" y="0"/>
-          <a:chExt cx="0" cy="0"/>
-        </a:xfrm>
-      </p:grpSpPr>
-      <p:sp>
-        <p:nvSpPr>
-          <p:cNvPr id="95" name="Google Shape;95;p14"/>
-          <p:cNvSpPr txBox="1">
-            <a:spLocks noGrp="1"/>
-          </p:cNvSpPr>
-          <p:nvPr>
-            <p:ph type="title" idx="4294967295"/>
-          </p:nvPr>
-        </p:nvSpPr>
-        <p:spPr>
-          <a:xfrm>
-            <a:off x="561263" y="696913"/>
-            <a:ext cx="10972800" cy="506789"/>
-          </a:xfrm>
-          <a:prstGeom prst="rect">
-            <a:avLst/>
-          </a:prstGeom>
-        </p:spPr>
-        <p:txBody>
-          <a:bodyPr spcFirstLastPara="1" wrap="square" lIns="121900" tIns="121900" rIns="121900" bIns="121900" anchor="ctr" anchorCtr="0">
-            <a:noAutofit/>
-          </a:bodyPr>
-          <a:lstStyle/>
-          <a:p>
-            <a:r>
-              <a:rPr lang="en-US" sz="4000" b="1" dirty="0">
-                <a:solidFill>
-                  <a:srgbClr val="E46102"/>
-                </a:solidFill>
-              </a:rPr>
-              <a:t>Example</a:t>
-            </a:r>
-            <a:endParaRPr sz="4000" b="1" dirty="0">
-              <a:solidFill>
-                <a:srgbClr val="E46102"/>
-              </a:solidFill>
-            </a:endParaRPr>
-          </a:p>
-        </p:txBody>
-      </p:sp>
-      <p:sp>
-        <p:nvSpPr>
-          <p:cNvPr id="96" name="Google Shape;96;p14"/>
-          <p:cNvSpPr txBox="1"/>
-          <p:nvPr/>
-        </p:nvSpPr>
-        <p:spPr>
-          <a:xfrm>
-            <a:off x="395183" y="1251829"/>
-            <a:ext cx="11401634" cy="4957385"/>
-          </a:xfrm>
-          <a:prstGeom prst="rect">
-            <a:avLst/>
-          </a:prstGeom>
-          <a:noFill/>
-          <a:ln>
-            <a:noFill/>
-          </a:ln>
-        </p:spPr>
-        <p:txBody>
-          <a:bodyPr spcFirstLastPara="1" wrap="square" lIns="121900" tIns="121900" rIns="121900" bIns="121900" anchor="t" anchorCtr="0">
-            <a:noAutofit/>
-          </a:bodyPr>
-          <a:lstStyle/>
-          <a:p>
-            <a:pPr marL="457200" indent="-457200">
-              <a:buFont typeface="Arial" panose="020B0604020202020204" pitchFamily="34" charset="0"/>
-              <a:buChar char="•"/>
-              <a:defRPr/>
-            </a:pPr>
-            <a:r>
-              <a:rPr lang="en-US" dirty="0"/>
-              <a:t>Compute the PCA of the following dataset:</a:t>
-            </a:r>
-          </a:p>
-          <a:p>
-            <a:pPr>
-              <a:defRPr/>
-            </a:pPr>
-            <a:r>
-              <a:rPr lang="en-US" dirty="0"/>
-              <a:t>			</a:t>
-            </a:r>
-          </a:p>
-          <a:p>
-            <a:pPr>
-              <a:defRPr/>
-            </a:pPr>
-            <a:r>
-              <a:rPr lang="en-US" dirty="0"/>
-              <a:t>			(1,2),(3,3),(3,5),(5,4),(5,6),(6,5),(8,7),(9,8)</a:t>
-            </a:r>
-          </a:p>
-          <a:p>
-            <a:pPr marL="457200" indent="-457200">
-              <a:buFont typeface="Arial" panose="020B0604020202020204" pitchFamily="34" charset="0"/>
-              <a:buChar char="•"/>
-              <a:defRPr/>
-            </a:pPr>
-            <a:endParaRPr lang="en-US" dirty="0"/>
-          </a:p>
-          <a:p>
-            <a:pPr marL="457200" indent="-457200">
-              <a:buFont typeface="Arial" panose="020B0604020202020204" pitchFamily="34" charset="0"/>
-              <a:buChar char="•"/>
-              <a:defRPr/>
-            </a:pPr>
-            <a:r>
-              <a:rPr lang="en-US" dirty="0"/>
-              <a:t>Compute the sample covariance matrix is:</a:t>
-            </a:r>
-          </a:p>
-          <a:p>
-            <a:pPr marL="457200" indent="-457200">
-              <a:buFont typeface="Arial" panose="020B0604020202020204" pitchFamily="34" charset="0"/>
-              <a:buChar char="•"/>
-              <a:defRPr/>
-            </a:pPr>
-            <a:endParaRPr lang="en-US" dirty="0"/>
-          </a:p>
-          <a:p>
-            <a:pPr marL="457200" indent="-457200">
-              <a:buFont typeface="Arial" panose="020B0604020202020204" pitchFamily="34" charset="0"/>
-              <a:buChar char="•"/>
-              <a:defRPr/>
-            </a:pPr>
-            <a:endParaRPr lang="en-US" dirty="0"/>
-          </a:p>
-          <a:p>
-            <a:pPr marL="457200" indent="-457200">
-              <a:buFont typeface="Arial" panose="020B0604020202020204" pitchFamily="34" charset="0"/>
-              <a:buChar char="•"/>
-              <a:defRPr/>
-            </a:pPr>
-            <a:endParaRPr lang="en-US" dirty="0"/>
-          </a:p>
-          <a:p>
-            <a:pPr marL="457200" indent="-457200">
-              <a:buFont typeface="Arial" panose="020B0604020202020204" pitchFamily="34" charset="0"/>
-              <a:buChar char="•"/>
-              <a:defRPr/>
-            </a:pPr>
-            <a:endParaRPr lang="en-US" dirty="0"/>
-          </a:p>
-          <a:p>
-            <a:pPr marL="457200" indent="-457200">
-              <a:buFont typeface="Arial" panose="020B0604020202020204" pitchFamily="34" charset="0"/>
-              <a:buChar char="•"/>
-              <a:defRPr/>
-            </a:pPr>
-            <a:r>
-              <a:rPr lang="en-US" dirty="0"/>
-              <a:t>The eigenvalues can be computed by finding the roots of the characteristic polynomial:</a:t>
-            </a:r>
-          </a:p>
-        </p:txBody>
-      </p:sp>
-      <p:pic>
-        <p:nvPicPr>
-          <p:cNvPr id="4" name="Picture 5">
-            <a:extLst>
-              <a:ext uri="{FF2B5EF4-FFF2-40B4-BE49-F238E27FC236}">
-                <a16:creationId xmlns:a16="http://schemas.microsoft.com/office/drawing/2014/main" id="{1ED6EC6B-1C25-A342-9A3A-5DCA4BB446CF}"/>
-              </a:ext>
-            </a:extLst>
-          </p:cNvPr>
-          <p:cNvPicPr>
-            <a:picLocks noChangeAspect="1"/>
-          </p:cNvPicPr>
-          <p:nvPr/>
-        </p:nvPicPr>
-        <p:blipFill>
-          <a:blip r:embed="rId4">
-            <a:extLst>
-              <a:ext uri="{28A0092B-C50C-407E-A947-70E740481C1C}">
-                <a14:useLocalDpi xmlns:a14="http://schemas.microsoft.com/office/drawing/2010/main" val="0"/>
-              </a:ext>
-            </a:extLst>
-          </a:blip>
-          <a:srcRect/>
-          <a:stretch>
-            <a:fillRect/>
-          </a:stretch>
-        </p:blipFill>
-        <p:spPr bwMode="auto">
-          <a:xfrm>
-            <a:off x="3830001" y="3509443"/>
-            <a:ext cx="2641600" cy="711200"/>
-          </a:xfrm>
-          <a:prstGeom prst="rect">
-            <a:avLst/>
-          </a:prstGeom>
-          <a:noFill/>
-          <a:ln>
-            <a:noFill/>
-          </a:ln>
-          <a:extLst>
-            <a:ext uri="{909E8E84-426E-40DD-AFC4-6F175D3DCCD1}">
-              <a14:hiddenFill xmlns:a14="http://schemas.microsoft.com/office/drawing/2010/main">
-                <a:solidFill>
-                  <a:srgbClr val="FFFFFF"/>
-                </a:solidFill>
-              </a14:hiddenFill>
-            </a:ext>
-            <a:ext uri="{91240B29-F687-4F45-9708-019B960494DF}">
-              <a14:hiddenLine xmlns:a14="http://schemas.microsoft.com/office/drawing/2010/main" w="9525">
-                <a:solidFill>
-                  <a:srgbClr val="000000"/>
-                </a:solidFill>
-                <a:miter lim="800000"/>
-                <a:headEnd/>
-                <a:tailEnd/>
-              </a14:hiddenLine>
-            </a:ext>
-          </a:extLst>
-        </p:spPr>
-      </p:pic>
-      <p:graphicFrame>
-        <p:nvGraphicFramePr>
-          <p:cNvPr id="5" name="Object 14">
-            <a:extLst>
-              <a:ext uri="{FF2B5EF4-FFF2-40B4-BE49-F238E27FC236}">
-                <a16:creationId xmlns:a16="http://schemas.microsoft.com/office/drawing/2014/main" id="{27E0285B-836C-8A48-B775-F319C44E00A4}"/>
-              </a:ext>
-            </a:extLst>
-          </p:cNvPr>
-          <p:cNvGraphicFramePr>
-            <a:graphicFrameLocks noChangeAspect="1"/>
-          </p:cNvGraphicFramePr>
-          <p:nvPr>
-            <p:extLst>
-              <p:ext uri="{D42A27DB-BD31-4B8C-83A1-F6EECF244321}">
-                <p14:modId xmlns:p14="http://schemas.microsoft.com/office/powerpoint/2010/main" val="1570177145"/>
-              </p:ext>
-            </p:extLst>
-          </p:nvPr>
-        </p:nvGraphicFramePr>
-        <p:xfrm>
-          <a:off x="6889546" y="2686368"/>
-          <a:ext cx="3000575" cy="823075"/>
-        </p:xfrm>
-        <a:graphic>
-          <a:graphicData uri="http://schemas.openxmlformats.org/presentationml/2006/ole">
-            <mc:AlternateContent xmlns:mc="http://schemas.openxmlformats.org/markup-compatibility/2006">
-              <mc:Choice xmlns:v="urn:schemas-microsoft-com:vml" Requires="v">
-                <p:oleObj spid="_x0000_s54397" name="Equation" r:id="rId5" imgW="36283900" imgH="9944100" progId="Equation.DSMT4">
-                  <p:embed/>
-                </p:oleObj>
-              </mc:Choice>
-              <mc:Fallback>
-                <p:oleObj name="Equation" r:id="rId5" imgW="36283900" imgH="9944100" progId="Equation.DSMT4">
-                  <p:embed/>
-                  <p:pic>
-                    <p:nvPicPr>
-                      <p:cNvPr id="31751" name="Object 14">
-                        <a:extLst>
-                          <a:ext uri="{FF2B5EF4-FFF2-40B4-BE49-F238E27FC236}">
-                            <a16:creationId xmlns:a16="http://schemas.microsoft.com/office/drawing/2014/main" id="{D065F738-132B-D646-B6B0-7347C38F6123}"/>
-                          </a:ext>
-                        </a:extLst>
-                      </p:cNvPr>
-                      <p:cNvPicPr>
-                        <a:picLocks noChangeAspect="1" noChangeArrowheads="1"/>
-                      </p:cNvPicPr>
-                      <p:nvPr/>
-                    </p:nvPicPr>
-                    <p:blipFill>
-                      <a:blip r:embed="rId6">
-                        <a:extLst>
-                          <a:ext uri="{28A0092B-C50C-407E-A947-70E740481C1C}">
-                            <a14:useLocalDpi xmlns:a14="http://schemas.microsoft.com/office/drawing/2010/main" val="0"/>
-                          </a:ext>
-                        </a:extLst>
-                      </a:blip>
-                      <a:srcRect/>
-                      <a:stretch>
-                        <a:fillRect/>
-                      </a:stretch>
-                    </p:blipFill>
-                    <p:spPr bwMode="auto">
-                      <a:xfrm>
-                        <a:off x="6889546" y="2686368"/>
-                        <a:ext cx="3000575" cy="823075"/>
-                      </a:xfrm>
-                      <a:prstGeom prst="rect">
-                        <a:avLst/>
-                      </a:prstGeom>
-                      <a:noFill/>
-                      <a:ln>
-                        <a:noFill/>
-                      </a:ln>
-                    </p:spPr>
-                  </p:pic>
-                </p:oleObj>
-              </mc:Fallback>
-            </mc:AlternateContent>
-          </a:graphicData>
-        </a:graphic>
-      </p:graphicFrame>
-      <p:pic>
-        <p:nvPicPr>
-          <p:cNvPr id="6" name="Picture 6">
-            <a:extLst>
-              <a:ext uri="{FF2B5EF4-FFF2-40B4-BE49-F238E27FC236}">
-                <a16:creationId xmlns:a16="http://schemas.microsoft.com/office/drawing/2014/main" id="{121387C8-4AC8-5C47-98CE-D99234876437}"/>
-              </a:ext>
-            </a:extLst>
-          </p:cNvPr>
-          <p:cNvPicPr>
-            <a:picLocks noChangeAspect="1"/>
-          </p:cNvPicPr>
-          <p:nvPr/>
-        </p:nvPicPr>
-        <p:blipFill>
-          <a:blip r:embed="rId7">
-            <a:extLst>
-              <a:ext uri="{28A0092B-C50C-407E-A947-70E740481C1C}">
-                <a14:useLocalDpi xmlns:a14="http://schemas.microsoft.com/office/drawing/2010/main" val="0"/>
-              </a:ext>
-            </a:extLst>
-          </a:blip>
-          <a:srcRect/>
-          <a:stretch>
-            <a:fillRect/>
-          </a:stretch>
-        </p:blipFill>
-        <p:spPr bwMode="auto">
-          <a:xfrm>
-            <a:off x="4273640" y="5246627"/>
-            <a:ext cx="3512615" cy="1367176"/>
-          </a:xfrm>
-          <a:prstGeom prst="rect">
-            <a:avLst/>
-          </a:prstGeom>
-          <a:noFill/>
-          <a:ln>
-            <a:noFill/>
-          </a:ln>
-          <a:extLst>
-            <a:ext uri="{909E8E84-426E-40DD-AFC4-6F175D3DCCD1}">
-              <a14:hiddenFill xmlns:a14="http://schemas.microsoft.com/office/drawing/2010/main">
-                <a:solidFill>
-                  <a:srgbClr val="FFFFFF"/>
-                </a:solidFill>
-              </a14:hiddenFill>
-            </a:ext>
-            <a:ext uri="{91240B29-F687-4F45-9708-019B960494DF}">
-              <a14:hiddenLine xmlns:a14="http://schemas.microsoft.com/office/drawing/2010/main" w="9525">
-                <a:solidFill>
-                  <a:srgbClr val="000000"/>
-                </a:solidFill>
-                <a:miter lim="800000"/>
-                <a:headEnd/>
-                <a:tailEnd/>
-              </a14:hiddenLine>
-            </a:ext>
-          </a:extLst>
-        </p:spPr>
-      </p:pic>
-    </p:spTree>
-    <p:extLst>
-      <p:ext uri="{BB962C8B-B14F-4D97-AF65-F5344CB8AC3E}">
-        <p14:creationId xmlns:p14="http://schemas.microsoft.com/office/powerpoint/2010/main" val="1322238165"/>
-      </p:ext>
-    </p:extLst>
-  </p:cSld>
-  <p:clrMapOvr>
-    <a:masterClrMapping/>
-  </p:clrMapOvr>
-  <p:timing>
-    <p:tnLst>
-      <p:par>
-        <p:cTn id="1" dur="indefinite" restart="never" nodeType="tmRoot">
-          <p:childTnLst>
-            <p:seq concurrent="1" nextAc="seek">
-              <p:cTn id="2" dur="indefinite" nodeType="mainSeq">
-                <p:childTnLst>
-                  <p:par>
-                    <p:cTn id="3" fill="hold">
-                      <p:stCondLst>
-                        <p:cond delay="indefinite"/>
-                      </p:stCondLst>
-                      <p:childTnLst>
-                        <p:par>
-                          <p:cTn id="4" fill="hold">
-                            <p:stCondLst>
-                              <p:cond delay="0"/>
-                            </p:stCondLst>
-                            <p:childTnLst>
-                              <p:par>
-                                <p:cTn id="5" presetID="1" presetClass="entr" presetSubtype="0" fill="hold" nodeType="clickEffect">
-                                  <p:stCondLst>
-                                    <p:cond delay="0"/>
-                                  </p:stCondLst>
-                                  <p:childTnLst>
-                                    <p:set>
-                                      <p:cBhvr>
-                                        <p:cTn id="6" dur="1" fill="hold">
-                                          <p:stCondLst>
-                                            <p:cond delay="0"/>
-                                          </p:stCondLst>
-                                        </p:cTn>
-                                        <p:tgtEl>
-                                          <p:spTgt spid="96">
-                                            <p:txEl>
-                                              <p:pRg st="0" end="0"/>
-                                            </p:txEl>
-                                          </p:spTgt>
-                                        </p:tgtEl>
-                                        <p:attrNameLst>
-                                          <p:attrName>style.visibility</p:attrName>
-                                        </p:attrNameLst>
-                                      </p:cBhvr>
-                                      <p:to>
-                                        <p:strVal val="visible"/>
-                                      </p:to>
-                                    </p:set>
-                                  </p:childTnLst>
-                                </p:cTn>
-                              </p:par>
-                              <p:par>
-                                <p:cTn id="7" presetID="1" presetClass="entr" presetSubtype="0" fill="hold" nodeType="withEffect">
-                                  <p:stCondLst>
-                                    <p:cond delay="0"/>
-                                  </p:stCondLst>
-                                  <p:childTnLst>
-                                    <p:set>
-                                      <p:cBhvr>
-                                        <p:cTn id="8" dur="1" fill="hold">
-                                          <p:stCondLst>
-                                            <p:cond delay="0"/>
-                                          </p:stCondLst>
-                                        </p:cTn>
-                                        <p:tgtEl>
-                                          <p:spTgt spid="96">
-                                            <p:txEl>
-                                              <p:pRg st="1" end="1"/>
-                                            </p:txEl>
-                                          </p:spTgt>
-                                        </p:tgtEl>
-                                        <p:attrNameLst>
-                                          <p:attrName>style.visibility</p:attrName>
-                                        </p:attrNameLst>
-                                      </p:cBhvr>
-                                      <p:to>
-                                        <p:strVal val="visible"/>
-                                      </p:to>
-                                    </p:set>
-                                  </p:childTnLst>
-                                </p:cTn>
-                              </p:par>
-                              <p:par>
-                                <p:cTn id="9" presetID="1" presetClass="entr" presetSubtype="0" fill="hold" nodeType="withEffect">
-                                  <p:stCondLst>
-                                    <p:cond delay="0"/>
-                                  </p:stCondLst>
-                                  <p:childTnLst>
-                                    <p:set>
-                                      <p:cBhvr>
-                                        <p:cTn id="10" dur="1" fill="hold">
-                                          <p:stCondLst>
-                                            <p:cond delay="0"/>
-                                          </p:stCondLst>
-                                        </p:cTn>
-                                        <p:tgtEl>
-                                          <p:spTgt spid="96">
-                                            <p:txEl>
-                                              <p:pRg st="2" end="2"/>
-                                            </p:txEl>
-                                          </p:spTgt>
-                                        </p:tgtEl>
-                                        <p:attrNameLst>
-                                          <p:attrName>style.visibility</p:attrName>
-                                        </p:attrNameLst>
-                                      </p:cBhvr>
-                                      <p:to>
-                                        <p:strVal val="visible"/>
-                                      </p:to>
-                                    </p:set>
-                                  </p:childTnLst>
-                                </p:cTn>
-                              </p:par>
-                            </p:childTnLst>
-                          </p:cTn>
-                        </p:par>
-                      </p:childTnLst>
-                    </p:cTn>
-                  </p:par>
-                  <p:par>
-                    <p:cTn id="11" fill="hold">
-                      <p:stCondLst>
-                        <p:cond delay="indefinite"/>
-                      </p:stCondLst>
-                      <p:childTnLst>
-                        <p:par>
-                          <p:cTn id="12" fill="hold">
-                            <p:stCondLst>
-                              <p:cond delay="0"/>
-                            </p:stCondLst>
-                            <p:childTnLst>
-                              <p:par>
-                                <p:cTn id="13" presetID="1" presetClass="entr" presetSubtype="0" fill="hold" nodeType="clickEffect">
-                                  <p:stCondLst>
-                                    <p:cond delay="0"/>
-                                  </p:stCondLst>
-                                  <p:childTnLst>
-                                    <p:set>
-                                      <p:cBhvr>
-                                        <p:cTn id="14" dur="1" fill="hold">
-                                          <p:stCondLst>
-                                            <p:cond delay="0"/>
-                                          </p:stCondLst>
-                                        </p:cTn>
-                                        <p:tgtEl>
-                                          <p:spTgt spid="96">
-                                            <p:txEl>
-                                              <p:pRg st="4" end="4"/>
-                                            </p:txEl>
-                                          </p:spTgt>
-                                        </p:tgtEl>
-                                        <p:attrNameLst>
-                                          <p:attrName>style.visibility</p:attrName>
-                                        </p:attrNameLst>
-                                      </p:cBhvr>
-                                      <p:to>
-                                        <p:strVal val="visible"/>
-                                      </p:to>
-                                    </p:set>
-                                  </p:childTnLst>
-                                </p:cTn>
-                              </p:par>
-                            </p:childTnLst>
-                          </p:cTn>
-                        </p:par>
-                      </p:childTnLst>
-                    </p:cTn>
-                  </p:par>
-                  <p:par>
-                    <p:cTn id="15" fill="hold">
-                      <p:stCondLst>
-                        <p:cond delay="indefinite"/>
-                      </p:stCondLst>
-                      <p:childTnLst>
-                        <p:par>
-                          <p:cTn id="16" fill="hold">
-                            <p:stCondLst>
-                              <p:cond delay="0"/>
-                            </p:stCondLst>
-                            <p:childTnLst>
-                              <p:par>
-                                <p:cTn id="17" presetID="1" presetClass="entr" presetSubtype="0" fill="hold" nodeType="clickEffect">
-                                  <p:stCondLst>
-                                    <p:cond delay="0"/>
-                                  </p:stCondLst>
-                                  <p:childTnLst>
-                                    <p:set>
-                                      <p:cBhvr>
-                                        <p:cTn id="18" dur="1" fill="hold">
-                                          <p:stCondLst>
-                                            <p:cond delay="0"/>
-                                          </p:stCondLst>
-                                        </p:cTn>
-                                        <p:tgtEl>
-                                          <p:spTgt spid="5"/>
-                                        </p:tgtEl>
-                                        <p:attrNameLst>
-                                          <p:attrName>style.visibility</p:attrName>
-                                        </p:attrNameLst>
-                                      </p:cBhvr>
-                                      <p:to>
-                                        <p:strVal val="visible"/>
-                                      </p:to>
-                                    </p:set>
-                                  </p:childTnLst>
-                                </p:cTn>
-                              </p:par>
-                            </p:childTnLst>
-                          </p:cTn>
-                        </p:par>
-                      </p:childTnLst>
-                    </p:cTn>
-                  </p:par>
-                  <p:par>
-                    <p:cTn id="19" fill="hold">
-                      <p:stCondLst>
-                        <p:cond delay="indefinite"/>
-                      </p:stCondLst>
-                      <p:childTnLst>
-                        <p:par>
-                          <p:cTn id="20" fill="hold">
-                            <p:stCondLst>
-                              <p:cond delay="0"/>
-                            </p:stCondLst>
-                            <p:childTnLst>
-                              <p:par>
-                                <p:cTn id="21" presetID="1" presetClass="entr" presetSubtype="0" fill="hold" nodeType="clickEffect">
-                                  <p:stCondLst>
-                                    <p:cond delay="0"/>
-                                  </p:stCondLst>
-                                  <p:childTnLst>
-                                    <p:set>
-                                      <p:cBhvr>
-                                        <p:cTn id="22" dur="1" fill="hold">
-                                          <p:stCondLst>
-                                            <p:cond delay="0"/>
-                                          </p:stCondLst>
-                                        </p:cTn>
-                                        <p:tgtEl>
-                                          <p:spTgt spid="4"/>
-                                        </p:tgtEl>
-                                        <p:attrNameLst>
-                                          <p:attrName>style.visibility</p:attrName>
-                                        </p:attrNameLst>
-                                      </p:cBhvr>
-                                      <p:to>
-                                        <p:strVal val="visible"/>
-                                      </p:to>
-                                    </p:set>
-                                  </p:childTnLst>
-                                </p:cTn>
-                              </p:par>
-                            </p:childTnLst>
-                          </p:cTn>
-                        </p:par>
-                      </p:childTnLst>
-                    </p:cTn>
-                  </p:par>
-                  <p:par>
-                    <p:cTn id="23" fill="hold">
-                      <p:stCondLst>
-                        <p:cond delay="indefinite"/>
-                      </p:stCondLst>
-                      <p:childTnLst>
-                        <p:par>
-                          <p:cTn id="24" fill="hold">
-                            <p:stCondLst>
-                              <p:cond delay="0"/>
-                            </p:stCondLst>
-                            <p:childTnLst>
-                              <p:par>
-                                <p:cTn id="25" presetID="1" presetClass="entr" presetSubtype="0" fill="hold" nodeType="clickEffect">
-                                  <p:stCondLst>
-                                    <p:cond delay="0"/>
-                                  </p:stCondLst>
-                                  <p:childTnLst>
-                                    <p:set>
-                                      <p:cBhvr>
-                                        <p:cTn id="26" dur="1" fill="hold">
-                                          <p:stCondLst>
-                                            <p:cond delay="0"/>
-                                          </p:stCondLst>
-                                        </p:cTn>
-                                        <p:tgtEl>
-                                          <p:spTgt spid="96">
-                                            <p:txEl>
-                                              <p:pRg st="9" end="9"/>
-                                            </p:txEl>
-                                          </p:spTgt>
-                                        </p:tgtEl>
-                                        <p:attrNameLst>
-                                          <p:attrName>style.visibility</p:attrName>
-                                        </p:attrNameLst>
-                                      </p:cBhvr>
-                                      <p:to>
-                                        <p:strVal val="visible"/>
-                                      </p:to>
-                                    </p:set>
-                                  </p:childTnLst>
-                                </p:cTn>
-                              </p:par>
-                            </p:childTnLst>
-                          </p:cTn>
-                        </p:par>
-                      </p:childTnLst>
-                    </p:cTn>
-                  </p:par>
-                  <p:par>
-                    <p:cTn id="27" fill="hold">
-                      <p:stCondLst>
-                        <p:cond delay="indefinite"/>
-                      </p:stCondLst>
-                      <p:childTnLst>
-                        <p:par>
-                          <p:cTn id="28" fill="hold">
-                            <p:stCondLst>
-                              <p:cond delay="0"/>
-                            </p:stCondLst>
-                            <p:childTnLst>
-                              <p:par>
-                                <p:cTn id="29" presetID="1" presetClass="entr" presetSubtype="0" fill="hold" nodeType="clickEffect">
-                                  <p:stCondLst>
-                                    <p:cond delay="0"/>
-                                  </p:stCondLst>
-                                  <p:childTnLst>
-                                    <p:set>
-                                      <p:cBhvr>
-                                        <p:cTn id="30" dur="1" fill="hold">
-                                          <p:stCondLst>
-                                            <p:cond delay="0"/>
-                                          </p:stCondLst>
-                                        </p:cTn>
-                                        <p:tgtEl>
-                                          <p:spTgt spid="6"/>
-                                        </p:tgtEl>
-                                        <p:attrNameLst>
-                                          <p:attrName>style.visibility</p:attrName>
-                                        </p:attrNameLst>
-                                      </p:cBhvr>
-                                      <p:to>
-                                        <p:strVal val="visible"/>
-                                      </p:to>
-                                    </p:set>
-                                  </p:childTnLst>
-                                </p:cTn>
-                              </p:par>
-                            </p:childTnLst>
-                          </p:cTn>
-                        </p:par>
-                      </p:childTnLst>
-                    </p:cTn>
-                  </p:par>
-                </p:childTnLst>
-              </p:cTn>
-              <p:prevCondLst>
-                <p:cond evt="onPrev" delay="0">
-                  <p:tgtEl>
-                    <p:sldTgt/>
-                  </p:tgtEl>
-                </p:cond>
-              </p:prevCondLst>
-              <p:nextCondLst>
-                <p:cond evt="onNext" delay="0">
-                  <p:tgtEl>
-                    <p:sldTgt/>
-                  </p:tgtEl>
-                </p:cond>
-              </p:nextCondLst>
-            </p:seq>
-          </p:childTnLst>
-        </p:cTn>
-      </p:par>
-    </p:tnLst>
-  </p:timing>
-</p:sld>
-</file>
-
-<file path=ppt/slides/slide32.xml><?xml version="1.0" encoding="utf-8"?>
-<p:sld xmlns:a="http://schemas.openxmlformats.org/drawingml/2006/main" xmlns:r="http://schemas.openxmlformats.org/officeDocument/2006/relationships" xmlns:p="http://schemas.openxmlformats.org/presentationml/2006/main">
-  <p:cSld>
-    <p:spTree>
-      <p:nvGrpSpPr>
-        <p:cNvPr id="1" name="Shape 94"/>
-        <p:cNvGrpSpPr/>
-        <p:nvPr/>
-      </p:nvGrpSpPr>
-      <p:grpSpPr>
-        <a:xfrm>
-          <a:off x="0" y="0"/>
-          <a:ext cx="0" cy="0"/>
-          <a:chOff x="0" y="0"/>
-          <a:chExt cx="0" cy="0"/>
-        </a:xfrm>
-      </p:grpSpPr>
-      <p:sp>
-        <p:nvSpPr>
-          <p:cNvPr id="95" name="Google Shape;95;p14"/>
-          <p:cNvSpPr txBox="1">
-            <a:spLocks noGrp="1"/>
-          </p:cNvSpPr>
-          <p:nvPr>
-            <p:ph type="title" idx="4294967295"/>
-          </p:nvPr>
-        </p:nvSpPr>
-        <p:spPr>
-          <a:xfrm>
-            <a:off x="561263" y="696913"/>
-            <a:ext cx="10972800" cy="506789"/>
-          </a:xfrm>
-          <a:prstGeom prst="rect">
-            <a:avLst/>
-          </a:prstGeom>
-        </p:spPr>
-        <p:txBody>
-          <a:bodyPr spcFirstLastPara="1" wrap="square" lIns="121900" tIns="121900" rIns="121900" bIns="121900" anchor="ctr" anchorCtr="0">
-            <a:noAutofit/>
-          </a:bodyPr>
-          <a:lstStyle/>
-          <a:p>
-            <a:r>
-              <a:rPr lang="en-US" sz="4000" b="1" dirty="0">
-                <a:solidFill>
-                  <a:srgbClr val="E46102"/>
-                </a:solidFill>
-              </a:rPr>
-              <a:t>Example contd..</a:t>
-            </a:r>
-            <a:endParaRPr sz="4000" b="1" dirty="0">
-              <a:solidFill>
-                <a:srgbClr val="E46102"/>
-              </a:solidFill>
-            </a:endParaRPr>
-          </a:p>
-        </p:txBody>
-      </p:sp>
-      <p:sp>
-        <p:nvSpPr>
-          <p:cNvPr id="96" name="Google Shape;96;p14"/>
-          <p:cNvSpPr txBox="1"/>
-          <p:nvPr/>
-        </p:nvSpPr>
-        <p:spPr>
-          <a:xfrm>
-            <a:off x="395183" y="1251829"/>
-            <a:ext cx="11401634" cy="4957385"/>
-          </a:xfrm>
-          <a:prstGeom prst="rect">
-            <a:avLst/>
-          </a:prstGeom>
-          <a:noFill/>
-          <a:ln>
-            <a:noFill/>
-          </a:ln>
-        </p:spPr>
-        <p:txBody>
-          <a:bodyPr spcFirstLastPara="1" wrap="square" lIns="121900" tIns="121900" rIns="121900" bIns="121900" anchor="t" anchorCtr="0">
-            <a:noAutofit/>
-          </a:bodyPr>
-          <a:lstStyle/>
-          <a:p>
-            <a:pPr marL="457200" indent="-457200">
-              <a:buFont typeface="Arial" panose="020B0604020202020204" pitchFamily="34" charset="0"/>
-              <a:buChar char="•"/>
-              <a:defRPr/>
-            </a:pPr>
-            <a:r>
-              <a:rPr lang="en-US" dirty="0"/>
-              <a:t>The eigenvectors are the solutions of the systems:</a:t>
-            </a:r>
-          </a:p>
-          <a:p>
-            <a:pPr marL="457200" indent="-457200">
-              <a:buFont typeface="Arial" panose="020B0604020202020204" pitchFamily="34" charset="0"/>
-              <a:buChar char="•"/>
-              <a:defRPr/>
-            </a:pPr>
-            <a:endParaRPr lang="en-US" dirty="0"/>
-          </a:p>
-          <a:p>
-            <a:pPr marL="457200" indent="-457200">
-              <a:buFont typeface="Arial" panose="020B0604020202020204" pitchFamily="34" charset="0"/>
-              <a:buChar char="•"/>
-              <a:defRPr/>
-            </a:pPr>
-            <a:endParaRPr lang="en-US" dirty="0"/>
-          </a:p>
-          <a:p>
-            <a:pPr marL="457200" indent="-457200">
-              <a:buFont typeface="Arial" panose="020B0604020202020204" pitchFamily="34" charset="0"/>
-              <a:buChar char="•"/>
-              <a:defRPr/>
-            </a:pPr>
-            <a:endParaRPr lang="en-US" dirty="0"/>
-          </a:p>
-          <a:p>
-            <a:pPr marL="457200" indent="-457200">
-              <a:buFont typeface="Arial" panose="020B0604020202020204" pitchFamily="34" charset="0"/>
-              <a:buChar char="•"/>
-              <a:defRPr/>
-            </a:pPr>
-            <a:endParaRPr lang="en-US" dirty="0"/>
-          </a:p>
-          <a:p>
-            <a:pPr marL="457200" indent="-457200">
-              <a:buFont typeface="Arial" panose="020B0604020202020204" pitchFamily="34" charset="0"/>
-              <a:buChar char="•"/>
-              <a:defRPr/>
-            </a:pPr>
-            <a:endParaRPr lang="en-US" dirty="0"/>
-          </a:p>
-          <a:p>
-            <a:pPr marL="457200" indent="-457200">
-              <a:buFont typeface="Arial" panose="020B0604020202020204" pitchFamily="34" charset="0"/>
-              <a:buChar char="•"/>
-              <a:defRPr/>
-            </a:pPr>
-            <a:endParaRPr lang="en-US" dirty="0"/>
-          </a:p>
-          <a:p>
-            <a:pPr>
-              <a:defRPr/>
-            </a:pPr>
-            <a:endParaRPr lang="en-US" dirty="0"/>
-          </a:p>
-          <a:p>
-            <a:pPr marL="457200" indent="-457200">
-              <a:buFont typeface="Arial" panose="020B0604020202020204" pitchFamily="34" charset="0"/>
-              <a:buChar char="•"/>
-              <a:defRPr/>
-            </a:pPr>
-            <a:r>
-              <a:rPr lang="en-US" dirty="0"/>
-              <a:t>Eigenvectors can be normalized to unit-length using:</a:t>
-            </a:r>
-          </a:p>
-          <a:p>
-            <a:pPr marL="457200" indent="-457200">
-              <a:buFont typeface="Arial" panose="020B0604020202020204" pitchFamily="34" charset="0"/>
-              <a:buChar char="•"/>
-              <a:defRPr/>
-            </a:pPr>
-            <a:endParaRPr lang="en-US" b="1" dirty="0"/>
-          </a:p>
-          <a:p>
-            <a:pPr marL="457200" indent="-457200">
-              <a:buFont typeface="Arial" panose="020B0604020202020204" pitchFamily="34" charset="0"/>
-              <a:buChar char="•"/>
-              <a:defRPr/>
-            </a:pPr>
-            <a:endParaRPr lang="en-US" b="1" dirty="0"/>
-          </a:p>
-          <a:p>
-            <a:pPr marL="342900" indent="-342900">
-              <a:lnSpc>
-                <a:spcPct val="150000"/>
-              </a:lnSpc>
-              <a:buFont typeface="Arial" panose="020B0604020202020204" pitchFamily="34" charset="0"/>
-              <a:buChar char="•"/>
-            </a:pPr>
-            <a:endParaRPr lang="en-US" dirty="0">
-              <a:latin typeface="Calibri" panose="020F0502020204030204" pitchFamily="34" charset="0"/>
-              <a:cs typeface="Calibri" panose="020F0502020204030204" pitchFamily="34" charset="0"/>
-            </a:endParaRPr>
-          </a:p>
-        </p:txBody>
-      </p:sp>
-      <p:pic>
-        <p:nvPicPr>
-          <p:cNvPr id="4" name="Picture 4">
-            <a:extLst>
-              <a:ext uri="{FF2B5EF4-FFF2-40B4-BE49-F238E27FC236}">
-                <a16:creationId xmlns:a16="http://schemas.microsoft.com/office/drawing/2014/main" id="{CB12166F-805D-EE4F-8A92-62B0EFD50810}"/>
-              </a:ext>
-            </a:extLst>
-          </p:cNvPr>
-          <p:cNvPicPr>
-            <a:picLocks noChangeAspect="1"/>
-          </p:cNvPicPr>
-          <p:nvPr/>
-        </p:nvPicPr>
-        <p:blipFill>
-          <a:blip r:embed="rId4">
-            <a:extLst>
-              <a:ext uri="{28A0092B-C50C-407E-A947-70E740481C1C}">
-                <a14:useLocalDpi xmlns:a14="http://schemas.microsoft.com/office/drawing/2010/main" val="0"/>
-              </a:ext>
-            </a:extLst>
-          </a:blip>
-          <a:srcRect/>
-          <a:stretch>
-            <a:fillRect/>
-          </a:stretch>
-        </p:blipFill>
-        <p:spPr bwMode="auto">
-          <a:xfrm>
-            <a:off x="2459865" y="2389032"/>
-            <a:ext cx="5708225" cy="1403588"/>
-          </a:xfrm>
-          <a:prstGeom prst="rect">
-            <a:avLst/>
-          </a:prstGeom>
-          <a:noFill/>
-          <a:ln>
-            <a:noFill/>
-          </a:ln>
-          <a:extLst>
-            <a:ext uri="{909E8E84-426E-40DD-AFC4-6F175D3DCCD1}">
-              <a14:hiddenFill xmlns:a14="http://schemas.microsoft.com/office/drawing/2010/main">
-                <a:solidFill>
-                  <a:srgbClr val="FFFFFF"/>
-                </a:solidFill>
-              </a14:hiddenFill>
-            </a:ext>
-            <a:ext uri="{91240B29-F687-4F45-9708-019B960494DF}">
-              <a14:hiddenLine xmlns:a14="http://schemas.microsoft.com/office/drawing/2010/main" w="9525">
-                <a:solidFill>
-                  <a:srgbClr val="000000"/>
-                </a:solidFill>
-                <a:miter lim="800000"/>
-                <a:headEnd/>
-                <a:tailEnd/>
-              </a14:hiddenLine>
-            </a:ext>
-          </a:extLst>
-        </p:spPr>
-      </p:pic>
-      <p:graphicFrame>
-        <p:nvGraphicFramePr>
-          <p:cNvPr id="5" name="Object 1">
-            <a:extLst>
-              <a:ext uri="{FF2B5EF4-FFF2-40B4-BE49-F238E27FC236}">
-                <a16:creationId xmlns:a16="http://schemas.microsoft.com/office/drawing/2014/main" id="{5FB060D0-91A9-3146-AEB8-280582BE78EA}"/>
-              </a:ext>
-            </a:extLst>
-          </p:cNvPr>
-          <p:cNvGraphicFramePr>
-            <a:graphicFrameLocks noChangeAspect="1"/>
-          </p:cNvGraphicFramePr>
-          <p:nvPr>
-            <p:extLst>
-              <p:ext uri="{D42A27DB-BD31-4B8C-83A1-F6EECF244321}">
-                <p14:modId xmlns:p14="http://schemas.microsoft.com/office/powerpoint/2010/main" val="3164161398"/>
-              </p:ext>
-            </p:extLst>
-          </p:nvPr>
-        </p:nvGraphicFramePr>
-        <p:xfrm>
-          <a:off x="4905777" y="1717183"/>
-          <a:ext cx="1524000" cy="517525"/>
-        </p:xfrm>
-        <a:graphic>
-          <a:graphicData uri="http://schemas.openxmlformats.org/presentationml/2006/ole">
-            <mc:AlternateContent xmlns:mc="http://schemas.openxmlformats.org/markup-compatibility/2006">
-              <mc:Choice xmlns:v="urn:schemas-microsoft-com:vml" Requires="v">
-                <p:oleObj spid="_x0000_s55540" name="Equation" r:id="rId5" imgW="15506700" imgH="5270500" progId="Equation.DSMT4">
-                  <p:embed/>
-                </p:oleObj>
-              </mc:Choice>
-              <mc:Fallback>
-                <p:oleObj name="Equation" r:id="rId5" imgW="15506700" imgH="5270500" progId="Equation.DSMT4">
-                  <p:embed/>
-                  <p:pic>
-                    <p:nvPicPr>
-                      <p:cNvPr id="37894" name="Object 1">
-                        <a:extLst>
-                          <a:ext uri="{FF2B5EF4-FFF2-40B4-BE49-F238E27FC236}">
-                            <a16:creationId xmlns:a16="http://schemas.microsoft.com/office/drawing/2014/main" id="{FE65BFFD-B53B-5742-A053-7307B70FC9D9}"/>
-                          </a:ext>
-                        </a:extLst>
-                      </p:cNvPr>
-                      <p:cNvPicPr>
-                        <a:picLocks noChangeAspect="1" noChangeArrowheads="1"/>
-                      </p:cNvPicPr>
-                      <p:nvPr/>
-                    </p:nvPicPr>
-                    <p:blipFill>
-                      <a:blip r:embed="rId6">
-                        <a:extLst>
-                          <a:ext uri="{28A0092B-C50C-407E-A947-70E740481C1C}">
-                            <a14:useLocalDpi xmlns:a14="http://schemas.microsoft.com/office/drawing/2010/main" val="0"/>
-                          </a:ext>
-                        </a:extLst>
-                      </a:blip>
-                      <a:srcRect/>
-                      <a:stretch>
-                        <a:fillRect/>
-                      </a:stretch>
-                    </p:blipFill>
-                    <p:spPr bwMode="auto">
-                      <a:xfrm>
-                        <a:off x="4905777" y="1717183"/>
-                        <a:ext cx="1524000" cy="517525"/>
-                      </a:xfrm>
-                      <a:prstGeom prst="rect">
-                        <a:avLst/>
-                      </a:prstGeom>
-                      <a:noFill/>
-                      <a:ln>
-                        <a:noFill/>
-                      </a:ln>
-                      <a:extLst>
-                        <a:ext uri="{909E8E84-426E-40DD-AFC4-6F175D3DCCD1}">
-                          <a14:hiddenFill xmlns:a14="http://schemas.microsoft.com/office/drawing/2010/main">
-                            <a:solidFill>
-                              <a:srgbClr val="FFFFFF"/>
-                            </a:solidFill>
-                          </a14:hiddenFill>
-                        </a:ext>
-                        <a:ext uri="{91240B29-F687-4F45-9708-019B960494DF}">
-                          <a14:hiddenLine xmlns:a14="http://schemas.microsoft.com/office/drawing/2010/main" w="9525">
-                            <a:solidFill>
-                              <a:srgbClr val="000000"/>
-                            </a:solidFill>
-                            <a:miter lim="800000"/>
-                            <a:headEnd/>
-                            <a:tailEnd/>
-                          </a14:hiddenLine>
-                        </a:ext>
-                      </a:extLst>
-                    </p:spPr>
-                  </p:pic>
-                </p:oleObj>
-              </mc:Fallback>
-            </mc:AlternateContent>
-          </a:graphicData>
-        </a:graphic>
-      </p:graphicFrame>
-      <p:pic>
-        <p:nvPicPr>
-          <p:cNvPr id="6" name="Picture 1">
-            <a:extLst>
-              <a:ext uri="{FF2B5EF4-FFF2-40B4-BE49-F238E27FC236}">
-                <a16:creationId xmlns:a16="http://schemas.microsoft.com/office/drawing/2014/main" id="{0C1FE32D-0C25-C743-83FC-974760E1C482}"/>
-              </a:ext>
-            </a:extLst>
-          </p:cNvPr>
-          <p:cNvPicPr>
-            <a:picLocks noChangeAspect="1"/>
-          </p:cNvPicPr>
-          <p:nvPr/>
-        </p:nvPicPr>
-        <p:blipFill>
-          <a:blip r:embed="rId7">
-            <a:extLst>
-              <a:ext uri="{28A0092B-C50C-407E-A947-70E740481C1C}">
-                <a14:useLocalDpi xmlns:a14="http://schemas.microsoft.com/office/drawing/2010/main" val="0"/>
-              </a:ext>
-            </a:extLst>
-          </a:blip>
-          <a:srcRect r="7005"/>
-          <a:stretch>
-            <a:fillRect/>
-          </a:stretch>
-        </p:blipFill>
-        <p:spPr bwMode="auto">
-          <a:xfrm>
-            <a:off x="8848184" y="1487383"/>
-            <a:ext cx="2268538" cy="2243138"/>
-          </a:xfrm>
-          <a:prstGeom prst="rect">
-            <a:avLst/>
-          </a:prstGeom>
-          <a:noFill/>
-          <a:ln>
-            <a:noFill/>
-          </a:ln>
-          <a:extLst>
-            <a:ext uri="{909E8E84-426E-40DD-AFC4-6F175D3DCCD1}">
-              <a14:hiddenFill xmlns:a14="http://schemas.microsoft.com/office/drawing/2010/main">
-                <a:solidFill>
-                  <a:srgbClr val="FFFFFF"/>
-                </a:solidFill>
-              </a14:hiddenFill>
-            </a:ext>
-            <a:ext uri="{91240B29-F687-4F45-9708-019B960494DF}">
-              <a14:hiddenLine xmlns:a14="http://schemas.microsoft.com/office/drawing/2010/main" w="9525">
-                <a:solidFill>
-                  <a:srgbClr val="000000"/>
-                </a:solidFill>
-                <a:miter lim="800000"/>
-                <a:headEnd/>
-                <a:tailEnd/>
-              </a14:hiddenLine>
-            </a:ext>
-          </a:extLst>
-        </p:spPr>
-      </p:pic>
-      <p:graphicFrame>
-        <p:nvGraphicFramePr>
-          <p:cNvPr id="7" name="Object 1">
-            <a:extLst>
-              <a:ext uri="{FF2B5EF4-FFF2-40B4-BE49-F238E27FC236}">
-                <a16:creationId xmlns:a16="http://schemas.microsoft.com/office/drawing/2014/main" id="{A5C4A747-E979-0147-94F4-1074CC07D2BC}"/>
-              </a:ext>
-            </a:extLst>
-          </p:cNvPr>
-          <p:cNvGraphicFramePr>
-            <a:graphicFrameLocks noChangeAspect="1"/>
-          </p:cNvGraphicFramePr>
-          <p:nvPr>
-            <p:extLst>
-              <p:ext uri="{D42A27DB-BD31-4B8C-83A1-F6EECF244321}">
-                <p14:modId xmlns:p14="http://schemas.microsoft.com/office/powerpoint/2010/main" val="3384769192"/>
-              </p:ext>
-            </p:extLst>
-          </p:nvPr>
-        </p:nvGraphicFramePr>
-        <p:xfrm>
-          <a:off x="4434626" y="5309060"/>
-          <a:ext cx="1352550" cy="977900"/>
-        </p:xfrm>
-        <a:graphic>
-          <a:graphicData uri="http://schemas.openxmlformats.org/presentationml/2006/ole">
-            <mc:AlternateContent xmlns:mc="http://schemas.openxmlformats.org/markup-compatibility/2006">
-              <mc:Choice xmlns:v="urn:schemas-microsoft-com:vml" Requires="v">
-                <p:oleObj spid="_x0000_s55541" name="Equation" r:id="rId8" imgW="13754100" imgH="9944100" progId="Equation.DSMT4">
-                  <p:embed/>
-                </p:oleObj>
-              </mc:Choice>
-              <mc:Fallback>
-                <p:oleObj name="Equation" r:id="rId8" imgW="13754100" imgH="9944100" progId="Equation.DSMT4">
-                  <p:embed/>
-                  <p:pic>
-                    <p:nvPicPr>
-                      <p:cNvPr id="8" name="Object 1">
-                        <a:extLst>
-                          <a:ext uri="{FF2B5EF4-FFF2-40B4-BE49-F238E27FC236}">
-                            <a16:creationId xmlns:a16="http://schemas.microsoft.com/office/drawing/2014/main" id="{F88019A8-81ED-CE4E-B6F6-7354DFD04F14}"/>
-                          </a:ext>
-                        </a:extLst>
-                      </p:cNvPr>
-                      <p:cNvPicPr>
-                        <a:picLocks noChangeAspect="1" noChangeArrowheads="1"/>
-                      </p:cNvPicPr>
-                      <p:nvPr/>
-                    </p:nvPicPr>
-                    <p:blipFill>
-                      <a:blip r:embed="rId9">
-                        <a:extLst>
-                          <a:ext uri="{28A0092B-C50C-407E-A947-70E740481C1C}">
-                            <a14:useLocalDpi xmlns:a14="http://schemas.microsoft.com/office/drawing/2010/main" val="0"/>
-                          </a:ext>
-                        </a:extLst>
-                      </a:blip>
-                      <a:srcRect/>
-                      <a:stretch>
-                        <a:fillRect/>
-                      </a:stretch>
-                    </p:blipFill>
-                    <p:spPr bwMode="auto">
-                      <a:xfrm>
-                        <a:off x="4434626" y="5309060"/>
-                        <a:ext cx="1352550" cy="977900"/>
-                      </a:xfrm>
-                      <a:prstGeom prst="rect">
-                        <a:avLst/>
-                      </a:prstGeom>
-                      <a:noFill/>
-                      <a:ln>
-                        <a:noFill/>
-                      </a:ln>
-                      <a:extLst>
-                        <a:ext uri="{909E8E84-426E-40DD-AFC4-6F175D3DCCD1}">
-                          <a14:hiddenFill xmlns:a14="http://schemas.microsoft.com/office/drawing/2010/main">
-                            <a:solidFill>
-                              <a:srgbClr val="FFFFFF"/>
-                            </a:solidFill>
-                          </a14:hiddenFill>
-                        </a:ext>
-                        <a:ext uri="{91240B29-F687-4F45-9708-019B960494DF}">
-                          <a14:hiddenLine xmlns:a14="http://schemas.microsoft.com/office/drawing/2010/main" w="9525">
-                            <a:solidFill>
-                              <a:srgbClr val="000000"/>
-                            </a:solidFill>
-                            <a:miter lim="800000"/>
-                            <a:headEnd/>
-                            <a:tailEnd/>
-                          </a14:hiddenLine>
-                        </a:ext>
-                      </a:extLst>
-                    </p:spPr>
-                  </p:pic>
-                </p:oleObj>
-              </mc:Fallback>
-            </mc:AlternateContent>
-          </a:graphicData>
-        </a:graphic>
-      </p:graphicFrame>
-    </p:spTree>
-    <p:extLst>
-      <p:ext uri="{BB962C8B-B14F-4D97-AF65-F5344CB8AC3E}">
-        <p14:creationId xmlns:p14="http://schemas.microsoft.com/office/powerpoint/2010/main" val="288703858"/>
-      </p:ext>
-    </p:extLst>
-  </p:cSld>
-  <p:clrMapOvr>
-    <a:masterClrMapping/>
-  </p:clrMapOvr>
-  <p:timing>
-    <p:tnLst>
-      <p:par>
-        <p:cTn id="1" dur="indefinite" restart="never" nodeType="tmRoot">
-          <p:childTnLst>
-            <p:seq concurrent="1" nextAc="seek">
-              <p:cTn id="2" dur="indefinite" nodeType="mainSeq">
-                <p:childTnLst>
-                  <p:par>
-                    <p:cTn id="3" fill="hold">
-                      <p:stCondLst>
-                        <p:cond delay="indefinite"/>
-                      </p:stCondLst>
-                      <p:childTnLst>
-                        <p:par>
-                          <p:cTn id="4" fill="hold">
-                            <p:stCondLst>
-                              <p:cond delay="0"/>
-                            </p:stCondLst>
-                            <p:childTnLst>
-                              <p:par>
-                                <p:cTn id="5" presetID="1" presetClass="entr" presetSubtype="0" fill="hold" nodeType="clickEffect">
-                                  <p:stCondLst>
-                                    <p:cond delay="0"/>
-                                  </p:stCondLst>
-                                  <p:childTnLst>
-                                    <p:set>
-                                      <p:cBhvr>
-                                        <p:cTn id="6" dur="1" fill="hold">
-                                          <p:stCondLst>
-                                            <p:cond delay="0"/>
-                                          </p:stCondLst>
-                                        </p:cTn>
-                                        <p:tgtEl>
-                                          <p:spTgt spid="4"/>
-                                        </p:tgtEl>
-                                        <p:attrNameLst>
-                                          <p:attrName>style.visibility</p:attrName>
-                                        </p:attrNameLst>
-                                      </p:cBhvr>
-                                      <p:to>
-                                        <p:strVal val="visible"/>
-                                      </p:to>
-                                    </p:set>
-                                  </p:childTnLst>
-                                </p:cTn>
-                              </p:par>
-                            </p:childTnLst>
-                          </p:cTn>
-                        </p:par>
-                      </p:childTnLst>
-                    </p:cTn>
-                  </p:par>
-                  <p:par>
-                    <p:cTn id="7" fill="hold">
-                      <p:stCondLst>
-                        <p:cond delay="indefinite"/>
-                      </p:stCondLst>
-                      <p:childTnLst>
-                        <p:par>
-                          <p:cTn id="8" fill="hold">
-                            <p:stCondLst>
-                              <p:cond delay="0"/>
-                            </p:stCondLst>
-                            <p:childTnLst>
-                              <p:par>
-                                <p:cTn id="9" presetID="1" presetClass="entr" presetSubtype="0" fill="hold" nodeType="clickEffect">
-                                  <p:stCondLst>
-                                    <p:cond delay="0"/>
-                                  </p:stCondLst>
-                                  <p:childTnLst>
-                                    <p:set>
-                                      <p:cBhvr>
-                                        <p:cTn id="10" dur="1" fill="hold">
-                                          <p:stCondLst>
-                                            <p:cond delay="0"/>
-                                          </p:stCondLst>
-                                        </p:cTn>
-                                        <p:tgtEl>
-                                          <p:spTgt spid="6"/>
-                                        </p:tgtEl>
-                                        <p:attrNameLst>
-                                          <p:attrName>style.visibility</p:attrName>
-                                        </p:attrNameLst>
-                                      </p:cBhvr>
-                                      <p:to>
-                                        <p:strVal val="visible"/>
-                                      </p:to>
-                                    </p:set>
-                                  </p:childTnLst>
-                                </p:cTn>
-                              </p:par>
-                            </p:childTnLst>
-                          </p:cTn>
-                        </p:par>
-                      </p:childTnLst>
-                    </p:cTn>
-                  </p:par>
-                  <p:par>
-                    <p:cTn id="11" fill="hold">
-                      <p:stCondLst>
-                        <p:cond delay="indefinite"/>
-                      </p:stCondLst>
-                      <p:childTnLst>
-                        <p:par>
-                          <p:cTn id="12" fill="hold">
-                            <p:stCondLst>
-                              <p:cond delay="0"/>
-                            </p:stCondLst>
-                            <p:childTnLst>
-                              <p:par>
-                                <p:cTn id="13" presetID="1" presetClass="entr" presetSubtype="0" fill="hold" nodeType="clickEffect">
-                                  <p:stCondLst>
-                                    <p:cond delay="0"/>
-                                  </p:stCondLst>
-                                  <p:childTnLst>
-                                    <p:set>
-                                      <p:cBhvr>
-                                        <p:cTn id="14" dur="1" fill="hold">
-                                          <p:stCondLst>
-                                            <p:cond delay="0"/>
-                                          </p:stCondLst>
-                                        </p:cTn>
-                                        <p:tgtEl>
-                                          <p:spTgt spid="96">
-                                            <p:txEl>
-                                              <p:pRg st="8" end="8"/>
-                                            </p:txEl>
-                                          </p:spTgt>
-                                        </p:tgtEl>
-                                        <p:attrNameLst>
-                                          <p:attrName>style.visibility</p:attrName>
-                                        </p:attrNameLst>
-                                      </p:cBhvr>
-                                      <p:to>
-                                        <p:strVal val="visible"/>
-                                      </p:to>
-                                    </p:set>
-                                  </p:childTnLst>
-                                </p:cTn>
-                              </p:par>
-                            </p:childTnLst>
-                          </p:cTn>
-                        </p:par>
-                      </p:childTnLst>
-                    </p:cTn>
-                  </p:par>
-                  <p:par>
-                    <p:cTn id="15" fill="hold">
-                      <p:stCondLst>
-                        <p:cond delay="indefinite"/>
-                      </p:stCondLst>
-                      <p:childTnLst>
-                        <p:par>
-                          <p:cTn id="16" fill="hold">
-                            <p:stCondLst>
-                              <p:cond delay="0"/>
-                            </p:stCondLst>
-                            <p:childTnLst>
-                              <p:par>
-                                <p:cTn id="17" presetID="1" presetClass="entr" presetSubtype="0" fill="hold" nodeType="clickEffect">
-                                  <p:stCondLst>
-                                    <p:cond delay="0"/>
-                                  </p:stCondLst>
-                                  <p:childTnLst>
-                                    <p:set>
-                                      <p:cBhvr>
-                                        <p:cTn id="18" dur="1" fill="hold">
-                                          <p:stCondLst>
-                                            <p:cond delay="0"/>
-                                          </p:stCondLst>
-                                        </p:cTn>
-                                        <p:tgtEl>
-                                          <p:spTgt spid="7"/>
-                                        </p:tgtEl>
-                                        <p:attrNameLst>
-                                          <p:attrName>style.visibility</p:attrName>
-                                        </p:attrNameLst>
-                                      </p:cBhvr>
-                                      <p:to>
-                                        <p:strVal val="visible"/>
-                                      </p:to>
-                                    </p:set>
-                                  </p:childTnLst>
-                                </p:cTn>
-                              </p:par>
-                            </p:childTnLst>
-                          </p:cTn>
-                        </p:par>
-                      </p:childTnLst>
-                    </p:cTn>
-                  </p:par>
-                </p:childTnLst>
-              </p:cTn>
-              <p:prevCondLst>
-                <p:cond evt="onPrev" delay="0">
-                  <p:tgtEl>
-                    <p:sldTgt/>
-                  </p:tgtEl>
-                </p:cond>
-              </p:prevCondLst>
-              <p:nextCondLst>
-                <p:cond evt="onNext" delay="0">
-                  <p:tgtEl>
-                    <p:sldTgt/>
-                  </p:tgtEl>
-                </p:cond>
-              </p:nextCondLst>
-            </p:seq>
-          </p:childTnLst>
-        </p:cTn>
-      </p:par>
-    </p:tnLst>
-  </p:timing>
-</p:sld>
-</file>
-
-<file path=ppt/slides/slide33.xml><?xml version="1.0" encoding="utf-8"?>
-<p:sld xmlns:a="http://schemas.openxmlformats.org/drawingml/2006/main" xmlns:r="http://schemas.openxmlformats.org/officeDocument/2006/relationships" xmlns:p="http://schemas.openxmlformats.org/presentationml/2006/main">
-  <p:cSld>
-    <p:spTree>
-      <p:nvGrpSpPr>
-        <p:cNvPr id="1" name="Shape 94"/>
-        <p:cNvGrpSpPr/>
-        <p:nvPr/>
-      </p:nvGrpSpPr>
-      <p:grpSpPr>
-        <a:xfrm>
-          <a:off x="0" y="0"/>
-          <a:ext cx="0" cy="0"/>
-          <a:chOff x="0" y="0"/>
-          <a:chExt cx="0" cy="0"/>
-        </a:xfrm>
-      </p:grpSpPr>
-      <p:sp>
-        <p:nvSpPr>
-          <p:cNvPr id="95" name="Google Shape;95;p14"/>
-          <p:cNvSpPr txBox="1">
-            <a:spLocks noGrp="1"/>
-          </p:cNvSpPr>
-          <p:nvPr>
-            <p:ph type="title" idx="4294967295"/>
-          </p:nvPr>
-        </p:nvSpPr>
-        <p:spPr>
-          <a:xfrm>
-            <a:off x="561263" y="696913"/>
-            <a:ext cx="10972800" cy="506789"/>
-          </a:xfrm>
-          <a:prstGeom prst="rect">
-            <a:avLst/>
-          </a:prstGeom>
-        </p:spPr>
-        <p:txBody>
-          <a:bodyPr spcFirstLastPara="1" wrap="square" lIns="121900" tIns="121900" rIns="121900" bIns="121900" anchor="ctr" anchorCtr="0">
-            <a:noAutofit/>
-          </a:bodyPr>
-          <a:lstStyle/>
-          <a:p>
-            <a:r>
-              <a:rPr lang="en-US" sz="4000" b="1" dirty="0">
-                <a:solidFill>
-                  <a:srgbClr val="E46102"/>
-                </a:solidFill>
-              </a:rPr>
               <a:t>Choosing K</a:t>
             </a:r>
             <a:endParaRPr sz="4000" b="1" dirty="0">
@@ -23479,7 +21401,7 @@
           <a:graphicData uri="http://schemas.openxmlformats.org/presentationml/2006/ole">
             <mc:AlternateContent xmlns:mc="http://schemas.openxmlformats.org/markup-compatibility/2006">
               <mc:Choice xmlns:v="urn:schemas-microsoft-com:vml" Requires="v">
-                <p:oleObj spid="_x0000_s56557" name="Equation" r:id="rId4" imgW="64655700" imgH="19304000" progId="Equation.DSMT4">
+                <p:oleObj spid="_x0000_s56605" name="Equation" r:id="rId4" imgW="64655700" imgH="19304000" progId="Equation.DSMT4">
                   <p:embed/>
                 </p:oleObj>
               </mc:Choice>
@@ -23618,7 +21540,7 @@
           <a:graphicData uri="http://schemas.openxmlformats.org/presentationml/2006/ole">
             <mc:AlternateContent xmlns:mc="http://schemas.openxmlformats.org/markup-compatibility/2006">
               <mc:Choice xmlns:v="urn:schemas-microsoft-com:vml" Requires="v">
-                <p:oleObj spid="_x0000_s56558" name="Equation" r:id="rId6" imgW="8191500" imgH="3797300" progId="Equation.DSMT4">
+                <p:oleObj spid="_x0000_s56606" name="Equation" r:id="rId6" imgW="8191500" imgH="3797300" progId="Equation.DSMT4">
                   <p:embed/>
                 </p:oleObj>
               </mc:Choice>
@@ -23952,7 +21874,7 @@
 </p:sld>
 </file>
 
-<file path=ppt/slides/slide34.xml><?xml version="1.0" encoding="utf-8"?>
+<file path=ppt/slides/slide31.xml><?xml version="1.0" encoding="utf-8"?>
 <p:sld xmlns:a="http://schemas.openxmlformats.org/drawingml/2006/main" xmlns:r="http://schemas.openxmlformats.org/officeDocument/2006/relationships" xmlns:p="http://schemas.openxmlformats.org/presentationml/2006/main">
   <p:cSld>
     <p:spTree>
@@ -24131,7 +22053,7 @@
           <a:graphicData uri="http://schemas.openxmlformats.org/presentationml/2006/ole">
             <mc:AlternateContent xmlns:mc="http://schemas.openxmlformats.org/markup-compatibility/2006">
               <mc:Choice xmlns:v="urn:schemas-microsoft-com:vml" Requires="v">
-                <p:oleObj spid="_x0000_s57690" name="Equation" r:id="rId4" imgW="14046200" imgH="4686300" progId="Equation.DSMT4">
+                <p:oleObj spid="_x0000_s57762" name="Equation" r:id="rId4" imgW="14046200" imgH="4686300" progId="Equation.DSMT4">
                   <p:embed/>
                 </p:oleObj>
               </mc:Choice>
@@ -24232,7 +22154,7 @@
           <a:graphicData uri="http://schemas.openxmlformats.org/presentationml/2006/ole">
             <mc:AlternateContent xmlns:mc="http://schemas.openxmlformats.org/markup-compatibility/2006">
               <mc:Choice xmlns:v="urn:schemas-microsoft-com:vml" Requires="v">
-                <p:oleObj spid="_x0000_s57691" name="Equation" r:id="rId6" imgW="60274200" imgH="9944100" progId="Equation.DSMT4">
+                <p:oleObj spid="_x0000_s57763" name="Equation" r:id="rId6" imgW="60274200" imgH="9944100" progId="Equation.DSMT4">
                   <p:embed/>
                 </p:oleObj>
               </mc:Choice>
@@ -24375,7 +22297,7 @@
           <a:graphicData uri="http://schemas.openxmlformats.org/presentationml/2006/ole">
             <mc:AlternateContent xmlns:mc="http://schemas.openxmlformats.org/markup-compatibility/2006">
               <mc:Choice xmlns:v="urn:schemas-microsoft-com:vml" Requires="v">
-                <p:oleObj spid="_x0000_s57692" name="Equation" r:id="rId8" imgW="26035000" imgH="9944100" progId="Equation.DSMT4">
+                <p:oleObj spid="_x0000_s57764" name="Equation" r:id="rId8" imgW="26035000" imgH="9944100" progId="Equation.DSMT4">
                   <p:embed/>
                 </p:oleObj>
               </mc:Choice>
@@ -24754,6 +22676,874 @@
 </p:sld>
 </file>
 
+<file path=ppt/slides/slide32.xml><?xml version="1.0" encoding="utf-8"?>
+<p:sld xmlns:a="http://schemas.openxmlformats.org/drawingml/2006/main" xmlns:r="http://schemas.openxmlformats.org/officeDocument/2006/relationships" xmlns:p="http://schemas.openxmlformats.org/presentationml/2006/main">
+  <p:cSld>
+    <p:spTree>
+      <p:nvGrpSpPr>
+        <p:cNvPr id="1" name="Shape 94"/>
+        <p:cNvGrpSpPr/>
+        <p:nvPr/>
+      </p:nvGrpSpPr>
+      <p:grpSpPr>
+        <a:xfrm>
+          <a:off x="0" y="0"/>
+          <a:ext cx="0" cy="0"/>
+          <a:chOff x="0" y="0"/>
+          <a:chExt cx="0" cy="0"/>
+        </a:xfrm>
+      </p:grpSpPr>
+      <p:sp>
+        <p:nvSpPr>
+          <p:cNvPr id="95" name="Google Shape;95;p14"/>
+          <p:cNvSpPr txBox="1">
+            <a:spLocks noGrp="1"/>
+          </p:cNvSpPr>
+          <p:nvPr>
+            <p:ph type="title" idx="4294967295"/>
+          </p:nvPr>
+        </p:nvSpPr>
+        <p:spPr>
+          <a:xfrm>
+            <a:off x="561263" y="696913"/>
+            <a:ext cx="10972800" cy="506789"/>
+          </a:xfrm>
+          <a:prstGeom prst="rect">
+            <a:avLst/>
+          </a:prstGeom>
+        </p:spPr>
+        <p:txBody>
+          <a:bodyPr spcFirstLastPara="1" wrap="square" lIns="121900" tIns="121900" rIns="121900" bIns="121900" anchor="ctr" anchorCtr="0">
+            <a:noAutofit/>
+          </a:bodyPr>
+          <a:lstStyle/>
+          <a:p>
+            <a:r>
+              <a:rPr lang="en-US" sz="4000" b="1" dirty="0">
+                <a:solidFill>
+                  <a:srgbClr val="E46102"/>
+                </a:solidFill>
+              </a:rPr>
+              <a:t>Interpretation of PCA</a:t>
+            </a:r>
+            <a:endParaRPr sz="4000" b="1" dirty="0">
+              <a:solidFill>
+                <a:srgbClr val="E46102"/>
+              </a:solidFill>
+            </a:endParaRPr>
+          </a:p>
+        </p:txBody>
+      </p:sp>
+      <p:sp>
+        <p:nvSpPr>
+          <p:cNvPr id="96" name="Google Shape;96;p14"/>
+          <p:cNvSpPr txBox="1"/>
+          <p:nvPr/>
+        </p:nvSpPr>
+        <p:spPr>
+          <a:xfrm>
+            <a:off x="395183" y="1251829"/>
+            <a:ext cx="7010169" cy="4957385"/>
+          </a:xfrm>
+          <a:prstGeom prst="rect">
+            <a:avLst/>
+          </a:prstGeom>
+          <a:noFill/>
+          <a:ln>
+            <a:noFill/>
+          </a:ln>
+        </p:spPr>
+        <p:txBody>
+          <a:bodyPr spcFirstLastPara="1" wrap="square" lIns="121900" tIns="121900" rIns="121900" bIns="121900" anchor="t" anchorCtr="0">
+            <a:noAutofit/>
+          </a:bodyPr>
+          <a:lstStyle/>
+          <a:p>
+            <a:pPr marL="457200" indent="-457200">
+              <a:buFont typeface="Arial" panose="020B0604020202020204" pitchFamily="34" charset="0"/>
+              <a:buChar char="•"/>
+            </a:pPr>
+            <a:r>
+              <a:rPr lang="en-US" altLang="en-US" dirty="0"/>
+              <a:t>PCA chooses the eigenvectors of the covariance matrix corresponding to the largest eigenvalues.</a:t>
+            </a:r>
+          </a:p>
+          <a:p>
+            <a:pPr marL="457200" indent="-457200">
+              <a:buFont typeface="Arial" panose="020B0604020202020204" pitchFamily="34" charset="0"/>
+              <a:buChar char="•"/>
+            </a:pPr>
+            <a:endParaRPr lang="en-US" altLang="en-US" dirty="0"/>
+          </a:p>
+          <a:p>
+            <a:pPr marL="457200" indent="-457200">
+              <a:buFont typeface="Arial" panose="020B0604020202020204" pitchFamily="34" charset="0"/>
+              <a:buChar char="•"/>
+            </a:pPr>
+            <a:r>
+              <a:rPr lang="en-US" altLang="en-US" dirty="0"/>
+              <a:t>The eigenvalues correspond to the variance of the data along the eigenvector directions.</a:t>
+            </a:r>
+          </a:p>
+          <a:p>
+            <a:pPr marL="457200" indent="-457200">
+              <a:buFont typeface="Arial" panose="020B0604020202020204" pitchFamily="34" charset="0"/>
+              <a:buChar char="•"/>
+            </a:pPr>
+            <a:endParaRPr lang="en-US" altLang="en-US" dirty="0"/>
+          </a:p>
+          <a:p>
+            <a:pPr marL="457200" indent="-457200">
+              <a:buFont typeface="Arial" panose="020B0604020202020204" pitchFamily="34" charset="0"/>
+              <a:buChar char="•"/>
+            </a:pPr>
+            <a:r>
+              <a:rPr lang="en-US" altLang="en-US" dirty="0"/>
+              <a:t>Therefore, PCA projects the data along the directions where the data varies most.</a:t>
+            </a:r>
+          </a:p>
+          <a:p>
+            <a:pPr marL="457200" indent="-457200">
+              <a:buFont typeface="Arial" panose="020B0604020202020204" pitchFamily="34" charset="0"/>
+              <a:buChar char="•"/>
+            </a:pPr>
+            <a:endParaRPr lang="en-US" altLang="en-US" dirty="0"/>
+          </a:p>
+          <a:p>
+            <a:pPr marL="457200" indent="-457200">
+              <a:buFont typeface="Arial" panose="020B0604020202020204" pitchFamily="34" charset="0"/>
+              <a:buChar char="•"/>
+            </a:pPr>
+            <a:r>
+              <a:rPr lang="en-US" altLang="en-US" dirty="0"/>
+              <a:t>PCA preserves as much information in the data by preserving as much variance in the data.</a:t>
+            </a:r>
+          </a:p>
+          <a:p>
+            <a:pPr marL="457200" indent="-457200">
+              <a:buFont typeface="Arial" panose="020B0604020202020204" pitchFamily="34" charset="0"/>
+              <a:buChar char="•"/>
+            </a:pPr>
+            <a:endParaRPr lang="en-US" altLang="en-US" dirty="0"/>
+          </a:p>
+        </p:txBody>
+      </p:sp>
+      <p:pic>
+        <p:nvPicPr>
+          <p:cNvPr id="4" name="Picture 5">
+            <a:extLst>
+              <a:ext uri="{FF2B5EF4-FFF2-40B4-BE49-F238E27FC236}">
+                <a16:creationId xmlns:a16="http://schemas.microsoft.com/office/drawing/2014/main" id="{CC86F90F-B562-7848-A5E1-95DF9F034521}"/>
+              </a:ext>
+            </a:extLst>
+          </p:cNvPr>
+          <p:cNvPicPr>
+            <a:picLocks noChangeAspect="1" noChangeArrowheads="1"/>
+          </p:cNvPicPr>
+          <p:nvPr/>
+        </p:nvPicPr>
+        <p:blipFill>
+          <a:blip r:embed="rId3">
+            <a:extLst>
+              <a:ext uri="{28A0092B-C50C-407E-A947-70E740481C1C}">
+                <a14:useLocalDpi xmlns:a14="http://schemas.microsoft.com/office/drawing/2010/main" val="0"/>
+              </a:ext>
+            </a:extLst>
+          </a:blip>
+          <a:srcRect/>
+          <a:stretch>
+            <a:fillRect/>
+          </a:stretch>
+        </p:blipFill>
+        <p:spPr>
+          <a:xfrm>
+            <a:off x="8348797" y="1657081"/>
+            <a:ext cx="2667000" cy="1866900"/>
+          </a:xfrm>
+          <a:prstGeom prst="rect">
+            <a:avLst/>
+          </a:prstGeom>
+        </p:spPr>
+      </p:pic>
+      <p:sp>
+        <p:nvSpPr>
+          <p:cNvPr id="5" name="TextBox 4">
+            <a:extLst>
+              <a:ext uri="{FF2B5EF4-FFF2-40B4-BE49-F238E27FC236}">
+                <a16:creationId xmlns:a16="http://schemas.microsoft.com/office/drawing/2014/main" id="{F4C17EE9-8A1D-0D4E-B0F5-7981DCD0D221}"/>
+              </a:ext>
+            </a:extLst>
+          </p:cNvPr>
+          <p:cNvSpPr txBox="1"/>
+          <p:nvPr/>
+        </p:nvSpPr>
+        <p:spPr>
+          <a:xfrm>
+            <a:off x="8348797" y="3943081"/>
+            <a:ext cx="3090862" cy="647700"/>
+          </a:xfrm>
+          <a:prstGeom prst="rect">
+            <a:avLst/>
+          </a:prstGeom>
+          <a:noFill/>
+        </p:spPr>
+        <p:txBody>
+          <a:bodyPr wrap="none">
+            <a:spAutoFit/>
+          </a:bodyPr>
+          <a:lstStyle/>
+          <a:p>
+            <a:pPr>
+              <a:defRPr/>
+            </a:pPr>
+            <a:r>
+              <a:rPr lang="en-US" sz="1800" b="0" dirty="0">
+                <a:latin typeface="+mn-lt"/>
+              </a:rPr>
+              <a:t>u</a:t>
+            </a:r>
+            <a:r>
+              <a:rPr lang="en-US" sz="1800" b="0" baseline="-25000" dirty="0">
+                <a:latin typeface="+mn-lt"/>
+              </a:rPr>
+              <a:t>1</a:t>
+            </a:r>
+            <a:r>
+              <a:rPr lang="en-US" sz="1800" b="0" dirty="0">
+                <a:latin typeface="+mn-lt"/>
+              </a:rPr>
+              <a:t>: direction of max variance</a:t>
+            </a:r>
+          </a:p>
+          <a:p>
+            <a:pPr>
+              <a:defRPr/>
+            </a:pPr>
+            <a:r>
+              <a:rPr lang="en-US" sz="1800" b="0" dirty="0">
+                <a:latin typeface="Arial"/>
+              </a:rPr>
+              <a:t>u</a:t>
+            </a:r>
+            <a:r>
+              <a:rPr lang="en-US" sz="1800" b="0" baseline="-25000" dirty="0">
+                <a:latin typeface="Arial"/>
+              </a:rPr>
+              <a:t>2</a:t>
+            </a:r>
+            <a:r>
+              <a:rPr lang="en-US" sz="1800" b="0" dirty="0">
+                <a:latin typeface="Arial"/>
+              </a:rPr>
+              <a:t>: orthogonal to u</a:t>
+            </a:r>
+            <a:r>
+              <a:rPr lang="en-US" sz="1800" b="0" baseline="-25000" dirty="0">
+                <a:latin typeface="Arial"/>
+              </a:rPr>
+              <a:t>1</a:t>
+            </a:r>
+            <a:endParaRPr lang="en-US" sz="1800" b="0" dirty="0"/>
+          </a:p>
+        </p:txBody>
+      </p:sp>
+    </p:spTree>
+    <p:extLst>
+      <p:ext uri="{BB962C8B-B14F-4D97-AF65-F5344CB8AC3E}">
+        <p14:creationId xmlns:p14="http://schemas.microsoft.com/office/powerpoint/2010/main" val="837480028"/>
+      </p:ext>
+    </p:extLst>
+  </p:cSld>
+  <p:clrMapOvr>
+    <a:masterClrMapping/>
+  </p:clrMapOvr>
+  <p:timing>
+    <p:tnLst>
+      <p:par>
+        <p:cTn id="1" dur="indefinite" restart="never" nodeType="tmRoot">
+          <p:childTnLst>
+            <p:seq concurrent="1" nextAc="seek">
+              <p:cTn id="2" dur="indefinite" nodeType="mainSeq">
+                <p:childTnLst>
+                  <p:par>
+                    <p:cTn id="3" fill="hold">
+                      <p:stCondLst>
+                        <p:cond delay="indefinite"/>
+                      </p:stCondLst>
+                      <p:childTnLst>
+                        <p:par>
+                          <p:cTn id="4" fill="hold">
+                            <p:stCondLst>
+                              <p:cond delay="0"/>
+                            </p:stCondLst>
+                            <p:childTnLst>
+                              <p:par>
+                                <p:cTn id="5" presetID="1" presetClass="entr" presetSubtype="0" fill="hold" nodeType="clickEffect">
+                                  <p:stCondLst>
+                                    <p:cond delay="0"/>
+                                  </p:stCondLst>
+                                  <p:childTnLst>
+                                    <p:set>
+                                      <p:cBhvr>
+                                        <p:cTn id="6" dur="1" fill="hold">
+                                          <p:stCondLst>
+                                            <p:cond delay="0"/>
+                                          </p:stCondLst>
+                                        </p:cTn>
+                                        <p:tgtEl>
+                                          <p:spTgt spid="96">
+                                            <p:txEl>
+                                              <p:pRg st="0" end="0"/>
+                                            </p:txEl>
+                                          </p:spTgt>
+                                        </p:tgtEl>
+                                        <p:attrNameLst>
+                                          <p:attrName>style.visibility</p:attrName>
+                                        </p:attrNameLst>
+                                      </p:cBhvr>
+                                      <p:to>
+                                        <p:strVal val="visible"/>
+                                      </p:to>
+                                    </p:set>
+                                  </p:childTnLst>
+                                </p:cTn>
+                              </p:par>
+                            </p:childTnLst>
+                          </p:cTn>
+                        </p:par>
+                      </p:childTnLst>
+                    </p:cTn>
+                  </p:par>
+                  <p:par>
+                    <p:cTn id="7" fill="hold">
+                      <p:stCondLst>
+                        <p:cond delay="indefinite"/>
+                      </p:stCondLst>
+                      <p:childTnLst>
+                        <p:par>
+                          <p:cTn id="8" fill="hold">
+                            <p:stCondLst>
+                              <p:cond delay="0"/>
+                            </p:stCondLst>
+                            <p:childTnLst>
+                              <p:par>
+                                <p:cTn id="9" presetID="1" presetClass="entr" presetSubtype="0" fill="hold" nodeType="clickEffect">
+                                  <p:stCondLst>
+                                    <p:cond delay="0"/>
+                                  </p:stCondLst>
+                                  <p:childTnLst>
+                                    <p:set>
+                                      <p:cBhvr>
+                                        <p:cTn id="10" dur="1" fill="hold">
+                                          <p:stCondLst>
+                                            <p:cond delay="0"/>
+                                          </p:stCondLst>
+                                        </p:cTn>
+                                        <p:tgtEl>
+                                          <p:spTgt spid="96">
+                                            <p:txEl>
+                                              <p:pRg st="2" end="2"/>
+                                            </p:txEl>
+                                          </p:spTgt>
+                                        </p:tgtEl>
+                                        <p:attrNameLst>
+                                          <p:attrName>style.visibility</p:attrName>
+                                        </p:attrNameLst>
+                                      </p:cBhvr>
+                                      <p:to>
+                                        <p:strVal val="visible"/>
+                                      </p:to>
+                                    </p:set>
+                                  </p:childTnLst>
+                                </p:cTn>
+                              </p:par>
+                            </p:childTnLst>
+                          </p:cTn>
+                        </p:par>
+                      </p:childTnLst>
+                    </p:cTn>
+                  </p:par>
+                  <p:par>
+                    <p:cTn id="11" fill="hold">
+                      <p:stCondLst>
+                        <p:cond delay="indefinite"/>
+                      </p:stCondLst>
+                      <p:childTnLst>
+                        <p:par>
+                          <p:cTn id="12" fill="hold">
+                            <p:stCondLst>
+                              <p:cond delay="0"/>
+                            </p:stCondLst>
+                            <p:childTnLst>
+                              <p:par>
+                                <p:cTn id="13" presetID="1" presetClass="entr" presetSubtype="0" fill="hold" nodeType="clickEffect">
+                                  <p:stCondLst>
+                                    <p:cond delay="0"/>
+                                  </p:stCondLst>
+                                  <p:childTnLst>
+                                    <p:set>
+                                      <p:cBhvr>
+                                        <p:cTn id="14" dur="1" fill="hold">
+                                          <p:stCondLst>
+                                            <p:cond delay="0"/>
+                                          </p:stCondLst>
+                                        </p:cTn>
+                                        <p:tgtEl>
+                                          <p:spTgt spid="96">
+                                            <p:txEl>
+                                              <p:pRg st="4" end="4"/>
+                                            </p:txEl>
+                                          </p:spTgt>
+                                        </p:tgtEl>
+                                        <p:attrNameLst>
+                                          <p:attrName>style.visibility</p:attrName>
+                                        </p:attrNameLst>
+                                      </p:cBhvr>
+                                      <p:to>
+                                        <p:strVal val="visible"/>
+                                      </p:to>
+                                    </p:set>
+                                  </p:childTnLst>
+                                </p:cTn>
+                              </p:par>
+                            </p:childTnLst>
+                          </p:cTn>
+                        </p:par>
+                      </p:childTnLst>
+                    </p:cTn>
+                  </p:par>
+                  <p:par>
+                    <p:cTn id="15" fill="hold">
+                      <p:stCondLst>
+                        <p:cond delay="indefinite"/>
+                      </p:stCondLst>
+                      <p:childTnLst>
+                        <p:par>
+                          <p:cTn id="16" fill="hold">
+                            <p:stCondLst>
+                              <p:cond delay="0"/>
+                            </p:stCondLst>
+                            <p:childTnLst>
+                              <p:par>
+                                <p:cTn id="17" presetID="1" presetClass="entr" presetSubtype="0" fill="hold" nodeType="clickEffect">
+                                  <p:stCondLst>
+                                    <p:cond delay="0"/>
+                                  </p:stCondLst>
+                                  <p:childTnLst>
+                                    <p:set>
+                                      <p:cBhvr>
+                                        <p:cTn id="18" dur="1" fill="hold">
+                                          <p:stCondLst>
+                                            <p:cond delay="0"/>
+                                          </p:stCondLst>
+                                        </p:cTn>
+                                        <p:tgtEl>
+                                          <p:spTgt spid="96">
+                                            <p:txEl>
+                                              <p:pRg st="6" end="6"/>
+                                            </p:txEl>
+                                          </p:spTgt>
+                                        </p:tgtEl>
+                                        <p:attrNameLst>
+                                          <p:attrName>style.visibility</p:attrName>
+                                        </p:attrNameLst>
+                                      </p:cBhvr>
+                                      <p:to>
+                                        <p:strVal val="visible"/>
+                                      </p:to>
+                                    </p:set>
+                                  </p:childTnLst>
+                                </p:cTn>
+                              </p:par>
+                            </p:childTnLst>
+                          </p:cTn>
+                        </p:par>
+                      </p:childTnLst>
+                    </p:cTn>
+                  </p:par>
+                  <p:par>
+                    <p:cTn id="19" fill="hold">
+                      <p:stCondLst>
+                        <p:cond delay="indefinite"/>
+                      </p:stCondLst>
+                      <p:childTnLst>
+                        <p:par>
+                          <p:cTn id="20" fill="hold">
+                            <p:stCondLst>
+                              <p:cond delay="0"/>
+                            </p:stCondLst>
+                            <p:childTnLst>
+                              <p:par>
+                                <p:cTn id="21" presetID="1" presetClass="entr" presetSubtype="0" fill="hold" nodeType="clickEffect">
+                                  <p:stCondLst>
+                                    <p:cond delay="0"/>
+                                  </p:stCondLst>
+                                  <p:childTnLst>
+                                    <p:set>
+                                      <p:cBhvr>
+                                        <p:cTn id="22" dur="1" fill="hold">
+                                          <p:stCondLst>
+                                            <p:cond delay="0"/>
+                                          </p:stCondLst>
+                                        </p:cTn>
+                                        <p:tgtEl>
+                                          <p:spTgt spid="4"/>
+                                        </p:tgtEl>
+                                        <p:attrNameLst>
+                                          <p:attrName>style.visibility</p:attrName>
+                                        </p:attrNameLst>
+                                      </p:cBhvr>
+                                      <p:to>
+                                        <p:strVal val="visible"/>
+                                      </p:to>
+                                    </p:set>
+                                  </p:childTnLst>
+                                </p:cTn>
+                              </p:par>
+                              <p:par>
+                                <p:cTn id="23" presetID="1" presetClass="entr" presetSubtype="0" fill="hold" grpId="0" nodeType="withEffect">
+                                  <p:stCondLst>
+                                    <p:cond delay="0"/>
+                                  </p:stCondLst>
+                                  <p:childTnLst>
+                                    <p:set>
+                                      <p:cBhvr>
+                                        <p:cTn id="24" dur="1" fill="hold">
+                                          <p:stCondLst>
+                                            <p:cond delay="0"/>
+                                          </p:stCondLst>
+                                        </p:cTn>
+                                        <p:tgtEl>
+                                          <p:spTgt spid="5"/>
+                                        </p:tgtEl>
+                                        <p:attrNameLst>
+                                          <p:attrName>style.visibility</p:attrName>
+                                        </p:attrNameLst>
+                                      </p:cBhvr>
+                                      <p:to>
+                                        <p:strVal val="visible"/>
+                                      </p:to>
+                                    </p:set>
+                                  </p:childTnLst>
+                                </p:cTn>
+                              </p:par>
+                            </p:childTnLst>
+                          </p:cTn>
+                        </p:par>
+                      </p:childTnLst>
+                    </p:cTn>
+                  </p:par>
+                </p:childTnLst>
+              </p:cTn>
+              <p:prevCondLst>
+                <p:cond evt="onPrev" delay="0">
+                  <p:tgtEl>
+                    <p:sldTgt/>
+                  </p:tgtEl>
+                </p:cond>
+              </p:prevCondLst>
+              <p:nextCondLst>
+                <p:cond evt="onNext" delay="0">
+                  <p:tgtEl>
+                    <p:sldTgt/>
+                  </p:tgtEl>
+                </p:cond>
+              </p:nextCondLst>
+            </p:seq>
+          </p:childTnLst>
+        </p:cTn>
+      </p:par>
+    </p:tnLst>
+    <p:bldLst>
+      <p:bldP spid="5" grpId="0"/>
+    </p:bldLst>
+  </p:timing>
+</p:sld>
+</file>
+
+<file path=ppt/slides/slide33.xml><?xml version="1.0" encoding="utf-8"?>
+<p:sld xmlns:a="http://schemas.openxmlformats.org/drawingml/2006/main" xmlns:r="http://schemas.openxmlformats.org/officeDocument/2006/relationships" xmlns:p="http://schemas.openxmlformats.org/presentationml/2006/main">
+  <p:cSld>
+    <p:spTree>
+      <p:nvGrpSpPr>
+        <p:cNvPr id="1" name="Shape 94"/>
+        <p:cNvGrpSpPr/>
+        <p:nvPr/>
+      </p:nvGrpSpPr>
+      <p:grpSpPr>
+        <a:xfrm>
+          <a:off x="0" y="0"/>
+          <a:ext cx="0" cy="0"/>
+          <a:chOff x="0" y="0"/>
+          <a:chExt cx="0" cy="0"/>
+        </a:xfrm>
+      </p:grpSpPr>
+      <p:sp>
+        <p:nvSpPr>
+          <p:cNvPr id="95" name="Google Shape;95;p14"/>
+          <p:cNvSpPr txBox="1">
+            <a:spLocks noGrp="1"/>
+          </p:cNvSpPr>
+          <p:nvPr>
+            <p:ph type="title" idx="4294967295"/>
+          </p:nvPr>
+        </p:nvSpPr>
+        <p:spPr>
+          <a:xfrm>
+            <a:off x="561263" y="696913"/>
+            <a:ext cx="10972800" cy="506789"/>
+          </a:xfrm>
+          <a:prstGeom prst="rect">
+            <a:avLst/>
+          </a:prstGeom>
+        </p:spPr>
+        <p:txBody>
+          <a:bodyPr spcFirstLastPara="1" wrap="square" lIns="121900" tIns="121900" rIns="121900" bIns="121900" anchor="ctr" anchorCtr="0">
+            <a:noAutofit/>
+          </a:bodyPr>
+          <a:lstStyle/>
+          <a:p>
+            <a:r>
+              <a:rPr lang="en-US" sz="4000" b="1" dirty="0">
+                <a:solidFill>
+                  <a:srgbClr val="E46102"/>
+                </a:solidFill>
+              </a:rPr>
+              <a:t>Interpretation of PCA</a:t>
+            </a:r>
+            <a:endParaRPr sz="4000" b="1" dirty="0">
+              <a:solidFill>
+                <a:srgbClr val="E46102"/>
+              </a:solidFill>
+            </a:endParaRPr>
+          </a:p>
+        </p:txBody>
+      </p:sp>
+      <p:pic>
+        <p:nvPicPr>
+          <p:cNvPr id="70660" name="Picture 4">
+            <a:extLst>
+              <a:ext uri="{FF2B5EF4-FFF2-40B4-BE49-F238E27FC236}">
+                <a16:creationId xmlns:a16="http://schemas.microsoft.com/office/drawing/2014/main" id="{CBC28CB5-05CD-8043-A583-2DD071C3C571}"/>
+              </a:ext>
+            </a:extLst>
+          </p:cNvPr>
+          <p:cNvPicPr>
+            <a:picLocks noChangeAspect="1" noChangeArrowheads="1"/>
+          </p:cNvPicPr>
+          <p:nvPr/>
+        </p:nvPicPr>
+        <p:blipFill rotWithShape="1">
+          <a:blip r:embed="rId3">
+            <a:extLst>
+              <a:ext uri="{28A0092B-C50C-407E-A947-70E740481C1C}">
+                <a14:useLocalDpi xmlns:a14="http://schemas.microsoft.com/office/drawing/2010/main" val="0"/>
+              </a:ext>
+            </a:extLst>
+          </a:blip>
+          <a:srcRect l="4604" t="8728" r="4604" b="11494"/>
+          <a:stretch/>
+        </p:blipFill>
+        <p:spPr bwMode="auto">
+          <a:xfrm>
+            <a:off x="2213811" y="2290010"/>
+            <a:ext cx="6476026" cy="2843712"/>
+          </a:xfrm>
+          <a:prstGeom prst="rect">
+            <a:avLst/>
+          </a:prstGeom>
+          <a:noFill/>
+          <a:extLst>
+            <a:ext uri="{909E8E84-426E-40DD-AFC4-6F175D3DCCD1}">
+              <a14:hiddenFill xmlns:a14="http://schemas.microsoft.com/office/drawing/2010/main">
+                <a:solidFill>
+                  <a:srgbClr val="FFFFFF"/>
+                </a:solidFill>
+              </a14:hiddenFill>
+            </a:ext>
+          </a:extLst>
+        </p:spPr>
+      </p:pic>
+    </p:spTree>
+    <p:extLst>
+      <p:ext uri="{BB962C8B-B14F-4D97-AF65-F5344CB8AC3E}">
+        <p14:creationId xmlns:p14="http://schemas.microsoft.com/office/powerpoint/2010/main" val="538798702"/>
+      </p:ext>
+    </p:extLst>
+  </p:cSld>
+  <p:clrMapOvr>
+    <a:masterClrMapping/>
+  </p:clrMapOvr>
+</p:sld>
+</file>
+
+<file path=ppt/slides/slide34.xml><?xml version="1.0" encoding="utf-8"?>
+<p:sld xmlns:a="http://schemas.openxmlformats.org/drawingml/2006/main" xmlns:r="http://schemas.openxmlformats.org/officeDocument/2006/relationships" xmlns:p="http://schemas.openxmlformats.org/presentationml/2006/main">
+  <p:cSld>
+    <p:spTree>
+      <p:nvGrpSpPr>
+        <p:cNvPr id="1" name="Shape 94"/>
+        <p:cNvGrpSpPr/>
+        <p:nvPr/>
+      </p:nvGrpSpPr>
+      <p:grpSpPr>
+        <a:xfrm>
+          <a:off x="0" y="0"/>
+          <a:ext cx="0" cy="0"/>
+          <a:chOff x="0" y="0"/>
+          <a:chExt cx="0" cy="0"/>
+        </a:xfrm>
+      </p:grpSpPr>
+      <p:sp>
+        <p:nvSpPr>
+          <p:cNvPr id="95" name="Google Shape;95;p14"/>
+          <p:cNvSpPr txBox="1">
+            <a:spLocks noGrp="1"/>
+          </p:cNvSpPr>
+          <p:nvPr>
+            <p:ph type="title" idx="4294967295"/>
+          </p:nvPr>
+        </p:nvSpPr>
+        <p:spPr>
+          <a:xfrm>
+            <a:off x="561263" y="696913"/>
+            <a:ext cx="10972800" cy="506789"/>
+          </a:xfrm>
+          <a:prstGeom prst="rect">
+            <a:avLst/>
+          </a:prstGeom>
+        </p:spPr>
+        <p:txBody>
+          <a:bodyPr spcFirstLastPara="1" wrap="square" lIns="121900" tIns="121900" rIns="121900" bIns="121900" anchor="ctr" anchorCtr="0">
+            <a:noAutofit/>
+          </a:bodyPr>
+          <a:lstStyle/>
+          <a:p>
+            <a:r>
+              <a:rPr lang="en-US" sz="4000" b="1" dirty="0">
+                <a:solidFill>
+                  <a:srgbClr val="E46102"/>
+                </a:solidFill>
+              </a:rPr>
+              <a:t>Interpretation of PCA</a:t>
+            </a:r>
+            <a:endParaRPr sz="4000" b="1" dirty="0">
+              <a:solidFill>
+                <a:srgbClr val="E46102"/>
+              </a:solidFill>
+            </a:endParaRPr>
+          </a:p>
+        </p:txBody>
+      </p:sp>
+      <p:pic>
+        <p:nvPicPr>
+          <p:cNvPr id="4" name="Picture 2" descr="Consider a datapoint $\mathbf{a}_i$ (row $i$ of the data matrix $\mathbf{X}$). Assuming the data are mean-centered, the projection of $\mathbf{a}_i$ onto the principal components relates the remaining variance to the squared residual by the Pythagorean theorem. Choosing the components to maximize variance is the same as choosing them to minimize the squared residuals.">
+            <a:extLst>
+              <a:ext uri="{FF2B5EF4-FFF2-40B4-BE49-F238E27FC236}">
+                <a16:creationId xmlns:a16="http://schemas.microsoft.com/office/drawing/2014/main" id="{C4E15C9F-7F70-5340-972F-C7F8716F1922}"/>
+              </a:ext>
+            </a:extLst>
+          </p:cNvPr>
+          <p:cNvPicPr>
+            <a:picLocks noChangeAspect="1" noChangeArrowheads="1"/>
+          </p:cNvPicPr>
+          <p:nvPr/>
+        </p:nvPicPr>
+        <p:blipFill>
+          <a:blip r:embed="rId3">
+            <a:extLst>
+              <a:ext uri="{28A0092B-C50C-407E-A947-70E740481C1C}">
+                <a14:useLocalDpi xmlns:a14="http://schemas.microsoft.com/office/drawing/2010/main" val="0"/>
+              </a:ext>
+            </a:extLst>
+          </a:blip>
+          <a:srcRect/>
+          <a:stretch>
+            <a:fillRect/>
+          </a:stretch>
+        </p:blipFill>
+        <p:spPr bwMode="auto">
+          <a:xfrm>
+            <a:off x="1812940" y="1897242"/>
+            <a:ext cx="7771558" cy="2685639"/>
+          </a:xfrm>
+          <a:prstGeom prst="rect">
+            <a:avLst/>
+          </a:prstGeom>
+          <a:noFill/>
+          <a:extLst>
+            <a:ext uri="{909E8E84-426E-40DD-AFC4-6F175D3DCCD1}">
+              <a14:hiddenFill xmlns:a14="http://schemas.microsoft.com/office/drawing/2010/main">
+                <a:solidFill>
+                  <a:srgbClr val="FFFFFF"/>
+                </a:solidFill>
+              </a14:hiddenFill>
+            </a:ext>
+          </a:extLst>
+        </p:spPr>
+      </p:pic>
+      <p:sp>
+        <p:nvSpPr>
+          <p:cNvPr id="5" name="TextBox 4">
+            <a:extLst>
+              <a:ext uri="{FF2B5EF4-FFF2-40B4-BE49-F238E27FC236}">
+                <a16:creationId xmlns:a16="http://schemas.microsoft.com/office/drawing/2014/main" id="{517F4843-35D7-AB45-9A37-D7FB6C45591B}"/>
+              </a:ext>
+            </a:extLst>
+          </p:cNvPr>
+          <p:cNvSpPr txBox="1"/>
+          <p:nvPr/>
+        </p:nvSpPr>
+        <p:spPr>
+          <a:xfrm>
+            <a:off x="2520267" y="4960758"/>
+            <a:ext cx="6096000" cy="1200329"/>
+          </a:xfrm>
+          <a:prstGeom prst="rect">
+            <a:avLst/>
+          </a:prstGeom>
+          <a:noFill/>
+          <a:ln>
+            <a:solidFill>
+              <a:schemeClr val="accent1"/>
+            </a:solidFill>
+          </a:ln>
+        </p:spPr>
+        <p:txBody>
+          <a:bodyPr wrap="square">
+            <a:spAutoFit/>
+          </a:bodyPr>
+          <a:lstStyle/>
+          <a:p>
+            <a:pPr algn="ctr"/>
+            <a:r>
+              <a:rPr lang="en-US" dirty="0">
+                <a:effectLst/>
+                <a:latin typeface="Calibri" panose="020F0502020204030204" pitchFamily="34" charset="0"/>
+                <a:cs typeface="Calibri" panose="020F0502020204030204" pitchFamily="34" charset="0"/>
+              </a:rPr>
+              <a:t>Maximizing variance in principal component space is equivalent to minimizing least-squares reconstruction error. </a:t>
+            </a:r>
+            <a:endParaRPr lang="en-US" dirty="0">
+              <a:latin typeface="Calibri" panose="020F0502020204030204" pitchFamily="34" charset="0"/>
+              <a:cs typeface="Calibri" panose="020F0502020204030204" pitchFamily="34" charset="0"/>
+            </a:endParaRPr>
+          </a:p>
+        </p:txBody>
+      </p:sp>
+    </p:spTree>
+    <p:extLst>
+      <p:ext uri="{BB962C8B-B14F-4D97-AF65-F5344CB8AC3E}">
+        <p14:creationId xmlns:p14="http://schemas.microsoft.com/office/powerpoint/2010/main" val="429488402"/>
+      </p:ext>
+    </p:extLst>
+  </p:cSld>
+  <p:clrMapOvr>
+    <a:masterClrMapping/>
+  </p:clrMapOvr>
+</p:sld>
+</file>
+
 <file path=ppt/slides/slide35.xml><?xml version="1.0" encoding="utf-8"?>
 <p:sld xmlns:a="http://schemas.openxmlformats.org/drawingml/2006/main" xmlns:r="http://schemas.openxmlformats.org/officeDocument/2006/relationships" xmlns:p="http://schemas.openxmlformats.org/presentationml/2006/main">
   <p:cSld>
@@ -24918,7 +23708,7 @@
           <a:graphicData uri="http://schemas.openxmlformats.org/presentationml/2006/ole">
             <mc:AlternateContent xmlns:mc="http://schemas.openxmlformats.org/markup-compatibility/2006">
               <mc:Choice xmlns:v="urn:schemas-microsoft-com:vml" Requires="v">
-                <p:oleObj spid="_x0000_s58483" name="Equation" r:id="rId4" imgW="14338300" imgH="9067800" progId="Equation.DSMT4">
+                <p:oleObj spid="_x0000_s58507" name="Equation" r:id="rId4" imgW="14338300" imgH="9067800" progId="Equation.DSMT4">
                   <p:embed/>
                 </p:oleObj>
               </mc:Choice>
@@ -25722,63 +24512,63 @@
           <p:nvPr>
             <p:extLst>
               <p:ext uri="{D42A27DB-BD31-4B8C-83A1-F6EECF244321}">
-                <p14:modId xmlns:p14="http://schemas.microsoft.com/office/powerpoint/2010/main" val="179190443"/>
+                <p14:modId xmlns:p14="http://schemas.microsoft.com/office/powerpoint/2010/main" val="23266907"/>
               </p:ext>
             </p:extLst>
           </p:nvPr>
         </p:nvGraphicFramePr>
         <p:xfrm>
-          <a:off x="872790" y="1809454"/>
-          <a:ext cx="6400800" cy="2667000"/>
+          <a:off x="4562473" y="1625052"/>
+          <a:ext cx="7244516" cy="3157230"/>
         </p:xfrm>
         <a:graphic>
           <a:graphicData uri="http://schemas.openxmlformats.org/drawingml/2006/table">
             <a:tbl>
               <a:tblPr/>
               <a:tblGrid>
-                <a:gridCol w="520700">
+                <a:gridCol w="589336">
                   <a:extLst>
                     <a:ext uri="{9D8B030D-6E8A-4147-A177-3AD203B41FA5}">
                       <a16:colId xmlns:a16="http://schemas.microsoft.com/office/drawing/2014/main" val="420283857"/>
                     </a:ext>
                   </a:extLst>
                 </a:gridCol>
-                <a:gridCol w="2832100">
+                <a:gridCol w="3205410">
                   <a:extLst>
                     <a:ext uri="{9D8B030D-6E8A-4147-A177-3AD203B41FA5}">
                       <a16:colId xmlns:a16="http://schemas.microsoft.com/office/drawing/2014/main" val="2564809553"/>
                     </a:ext>
                   </a:extLst>
                 </a:gridCol>
-                <a:gridCol w="609600">
+                <a:gridCol w="689954">
                   <a:extLst>
                     <a:ext uri="{9D8B030D-6E8A-4147-A177-3AD203B41FA5}">
                       <a16:colId xmlns:a16="http://schemas.microsoft.com/office/drawing/2014/main" val="1920419089"/>
                     </a:ext>
                   </a:extLst>
                 </a:gridCol>
-                <a:gridCol w="609600">
+                <a:gridCol w="689954">
                   <a:extLst>
                     <a:ext uri="{9D8B030D-6E8A-4147-A177-3AD203B41FA5}">
                       <a16:colId xmlns:a16="http://schemas.microsoft.com/office/drawing/2014/main" val="1757215878"/>
                     </a:ext>
                   </a:extLst>
                 </a:gridCol>
-                <a:gridCol w="609600">
+                <a:gridCol w="689954">
                   <a:extLst>
                     <a:ext uri="{9D8B030D-6E8A-4147-A177-3AD203B41FA5}">
                       <a16:colId xmlns:a16="http://schemas.microsoft.com/office/drawing/2014/main" val="806350468"/>
                     </a:ext>
                   </a:extLst>
                 </a:gridCol>
-                <a:gridCol w="609600">
+                <a:gridCol w="689954">
                   <a:extLst>
                     <a:ext uri="{9D8B030D-6E8A-4147-A177-3AD203B41FA5}">
                       <a16:colId xmlns:a16="http://schemas.microsoft.com/office/drawing/2014/main" val="3069898150"/>
                     </a:ext>
                   </a:extLst>
                 </a:gridCol>
-                <a:gridCol w="609600">
+                <a:gridCol w="689954">
                   <a:extLst>
                     <a:ext uri="{9D8B030D-6E8A-4147-A177-3AD203B41FA5}">
                       <a16:colId xmlns:a16="http://schemas.microsoft.com/office/drawing/2014/main" val="3853592973"/>
@@ -25786,7 +24576,7 @@
                   </a:extLst>
                 </a:gridCol>
               </a:tblGrid>
-              <a:tr h="190500">
+              <a:tr h="221388">
                 <a:tc>
                   <a:txBody>
                     <a:bodyPr/>
@@ -26213,7 +25003,7 @@
                   </a:ext>
                 </a:extLst>
               </a:tr>
-              <a:tr h="190500">
+              <a:tr h="221388">
                 <a:tc>
                   <a:txBody>
                     <a:bodyPr/>
@@ -26640,7 +25430,7 @@
                   </a:ext>
                 </a:extLst>
               </a:tr>
-              <a:tr h="190500">
+              <a:tr h="221388">
                 <a:tc>
                   <a:txBody>
                     <a:bodyPr/>
@@ -27067,7 +25857,7 @@
                   </a:ext>
                 </a:extLst>
               </a:tr>
-              <a:tr h="190500">
+              <a:tr h="221388">
                 <a:tc>
                   <a:txBody>
                     <a:bodyPr/>
@@ -27494,7 +26284,7 @@
                   </a:ext>
                 </a:extLst>
               </a:tr>
-              <a:tr h="190500">
+              <a:tr h="221388">
                 <a:tc>
                   <a:txBody>
                     <a:bodyPr/>
@@ -27921,7 +26711,7 @@
                   </a:ext>
                 </a:extLst>
               </a:tr>
-              <a:tr h="190500">
+              <a:tr h="221388">
                 <a:tc>
                   <a:txBody>
                     <a:bodyPr/>
@@ -28348,7 +27138,7 @@
                   </a:ext>
                 </a:extLst>
               </a:tr>
-              <a:tr h="190500">
+              <a:tr h="279186">
                 <a:tc>
                   <a:txBody>
                     <a:bodyPr/>
@@ -28775,7 +27565,7 @@
                   </a:ext>
                 </a:extLst>
               </a:tr>
-              <a:tr h="190500">
+              <a:tr h="221388">
                 <a:tc>
                   <a:txBody>
                     <a:bodyPr/>
@@ -28843,7 +27633,7 @@
                     <a:p>
                       <a:pPr algn="l" fontAlgn="ctr"/>
                       <a:r>
-                        <a:rPr lang="en-GB" sz="1100" b="0" i="0" u="none" strike="noStrike">
+                        <a:rPr lang="en-GB" sz="1100" b="0" i="0" u="none" strike="noStrike" dirty="0">
                           <a:solidFill>
                             <a:srgbClr val="000000"/>
                           </a:solidFill>
@@ -29202,7 +27992,7 @@
                   </a:ext>
                 </a:extLst>
               </a:tr>
-              <a:tr h="190500">
+              <a:tr h="221388">
                 <a:tc>
                   <a:txBody>
                     <a:bodyPr/>
@@ -29629,7 +28419,7 @@
                   </a:ext>
                 </a:extLst>
               </a:tr>
-              <a:tr h="190500">
+              <a:tr h="221388">
                 <a:tc>
                   <a:txBody>
                     <a:bodyPr/>
@@ -30056,7 +28846,7 @@
                   </a:ext>
                 </a:extLst>
               </a:tr>
-              <a:tr h="190500">
+              <a:tr h="221388">
                 <a:tc>
                   <a:txBody>
                     <a:bodyPr/>
@@ -30483,7 +29273,7 @@
                   </a:ext>
                 </a:extLst>
               </a:tr>
-              <a:tr h="190500">
+              <a:tr h="221388">
                 <a:tc>
                   <a:txBody>
                     <a:bodyPr/>
@@ -30910,7 +29700,7 @@
                   </a:ext>
                 </a:extLst>
               </a:tr>
-              <a:tr h="190500">
+              <a:tr h="221388">
                 <a:tc>
                   <a:txBody>
                     <a:bodyPr/>
@@ -31337,7 +30127,7 @@
                   </a:ext>
                 </a:extLst>
               </a:tr>
-              <a:tr h="190500">
+              <a:tr h="221388">
                 <a:tc>
                   <a:txBody>
                     <a:bodyPr/>
@@ -31790,7 +30580,7 @@
         </p:blipFill>
         <p:spPr>
           <a:xfrm>
-            <a:off x="8696559" y="2371298"/>
+            <a:off x="1289173" y="1943776"/>
             <a:ext cx="2661252" cy="2667000"/>
           </a:xfrm>
           <a:prstGeom prst="rect">
@@ -31862,6 +30652,41 @@
                 <a:cs typeface="Calibri" panose="020F0502020204030204" pitchFamily="34" charset="0"/>
               </a:rPr>
               <a:t>Separation of groups could be interesting biology</a:t>
+            </a:r>
+          </a:p>
+        </p:txBody>
+      </p:sp>
+      <p:sp>
+        <p:nvSpPr>
+          <p:cNvPr id="2" name="TextBox 1">
+            <a:extLst>
+              <a:ext uri="{FF2B5EF4-FFF2-40B4-BE49-F238E27FC236}">
+                <a16:creationId xmlns:a16="http://schemas.microsoft.com/office/drawing/2014/main" id="{A031B812-1D41-7543-B133-488ADC06FE40}"/>
+              </a:ext>
+            </a:extLst>
+          </p:cNvPr>
+          <p:cNvSpPr txBox="1"/>
+          <p:nvPr/>
+        </p:nvSpPr>
+        <p:spPr>
+          <a:xfrm>
+            <a:off x="7876674" y="5021179"/>
+            <a:ext cx="2887579" cy="461665"/>
+          </a:xfrm>
+          <a:prstGeom prst="rect">
+            <a:avLst/>
+          </a:prstGeom>
+          <a:noFill/>
+        </p:spPr>
+        <p:txBody>
+          <a:bodyPr wrap="square" rtlCol="0">
+            <a:spAutoFit/>
+          </a:bodyPr>
+          <a:lstStyle/>
+          <a:p>
+            <a:r>
+              <a:rPr lang="en-US" dirty="0"/>
+              <a:t>Table: Gene Data</a:t>
             </a:r>
           </a:p>
         </p:txBody>
@@ -34253,7 +33078,7 @@
           <a:graphicData uri="http://schemas.openxmlformats.org/presentationml/2006/ole">
             <mc:AlternateContent xmlns:mc="http://schemas.openxmlformats.org/markup-compatibility/2006">
               <mc:Choice xmlns:v="urn:schemas-microsoft-com:vml" Requires="v">
-                <p:oleObj spid="_x0000_s42143" name="Equation" r:id="rId4" imgW="40081200" imgH="42710100" progId="Equation.DSMT4">
+                <p:oleObj spid="_x0000_s42167" name="Equation" r:id="rId4" imgW="40081200" imgH="42710100" progId="Equation.DSMT4">
                   <p:embed/>
                 </p:oleObj>
               </mc:Choice>
@@ -35060,49 +33885,6 @@
           </a:prstGeom>
         </p:spPr>
       </p:pic>
-      <p:sp>
-        <p:nvSpPr>
-          <p:cNvPr id="8" name="Rectangle 7">
-            <a:extLst>
-              <a:ext uri="{FF2B5EF4-FFF2-40B4-BE49-F238E27FC236}">
-                <a16:creationId xmlns:a16="http://schemas.microsoft.com/office/drawing/2014/main" id="{A1BFBFD4-26B5-ED4A-9326-1056968CD4DE}"/>
-              </a:ext>
-            </a:extLst>
-          </p:cNvPr>
-          <p:cNvSpPr/>
-          <p:nvPr/>
-        </p:nvSpPr>
-        <p:spPr>
-          <a:xfrm>
-            <a:off x="4360190" y="4460565"/>
-            <a:ext cx="371475" cy="461963"/>
-          </a:xfrm>
-          <a:prstGeom prst="rect">
-            <a:avLst/>
-          </a:prstGeom>
-        </p:spPr>
-        <p:txBody>
-          <a:bodyPr wrap="none">
-            <a:spAutoFit/>
-          </a:bodyPr>
-          <a:lstStyle/>
-          <a:p>
-            <a:pPr>
-              <a:defRPr/>
-            </a:pPr>
-            <a:r>
-              <a:rPr lang="en-US" sz="2400" b="0" kern="0" dirty="0">
-                <a:solidFill>
-                  <a:srgbClr val="FF0000"/>
-                </a:solidFill>
-                <a:latin typeface="CMBX12"/>
-              </a:rPr>
-              <a:t>T</a:t>
-            </a:r>
-            <a:endParaRPr lang="en-US" b="0" dirty="0"/>
-          </a:p>
-        </p:txBody>
-      </p:sp>
     </p:spTree>
     <p:extLst>
       <p:ext uri="{BB962C8B-B14F-4D97-AF65-F5344CB8AC3E}">
@@ -35307,33 +34089,6 @@
                                   </p:childTnLst>
                                 </p:cTn>
                               </p:par>
-                              <p:par>
-                                <p:cTn id="19" presetID="1" presetClass="entr" presetSubtype="0" fill="hold" grpId="0" nodeType="withEffect">
-                                  <p:stCondLst>
-                                    <p:cond delay="0"/>
-                                  </p:stCondLst>
-                                  <p:childTnLst>
-                                    <p:set>
-                                      <p:cBhvr>
-                                        <p:cTn id="20" dur="1" fill="hold">
-                                          <p:stCondLst>
-                                            <p:cond delay="0"/>
-                                          </p:stCondLst>
-                                        </p:cTn>
-                                        <p:tgtEl>
-                                          <p:spTgt spid="8"/>
-                                        </p:tgtEl>
-                                        <p:attrNameLst>
-                                          <p:attrName>style.visibility</p:attrName>
-                                        </p:attrNameLst>
-                                      </p:cBhvr>
-                                      <p:to>
-                                        <p:strVal val="visible"/>
-                                      </p:to>
-                                    </p:set>
-                                  </p:childTnLst>
-                                </p:cTn>
-                              </p:par>
                             </p:childTnLst>
                           </p:cTn>
                         </p:par>
@@ -35341,26 +34096,26 @@
                     </p:cTn>
                   </p:par>
                   <p:par>
-                    <p:cTn id="21" fill="hold">
+                    <p:cTn id="19" fill="hold">
                       <p:stCondLst>
                         <p:cond delay="indefinite"/>
                       </p:stCondLst>
                       <p:childTnLst>
                         <p:par>
-                          <p:cTn id="22" fill="hold">
+                          <p:cTn id="20" fill="hold">
                             <p:stCondLst>
                               <p:cond delay="0"/>
                             </p:stCondLst>
                             <p:childTnLst>
                               <p:par>
-                                <p:cTn id="23" presetID="1" presetClass="entr" presetSubtype="0" fill="hold" grpId="0" nodeType="clickEffect">
+                                <p:cTn id="21" presetID="1" presetClass="entr" presetSubtype="0" fill="hold" grpId="0" nodeType="clickEffect">
                                   <p:stCondLst>
                                     <p:cond delay="0"/>
                                   </p:stCondLst>
                                   <p:childTnLst>
                                     <p:set>
                                       <p:cBhvr>
-                                        <p:cTn id="24" dur="1" fill="hold">
+                                        <p:cTn id="22" dur="1" fill="hold">
                                           <p:stCondLst>
                                             <p:cond delay="0"/>
                                           </p:stCondLst>
@@ -35408,7 +34163,6 @@
     </p:tnLst>
     <p:bldLst>
       <p:bldP spid="5" grpId="0"/>
-      <p:bldP spid="8" grpId="0"/>
     </p:bldLst>
   </p:timing>
 </p:sld>
